--- a/AutoStore_20192883_강승민/프로젝트_중간_20192883_강승민.pptx
+++ b/AutoStore_20192883_강승민/프로젝트_중간_20192883_강승민.pptx
@@ -218,7 +218,7 @@
           <a:p>
             <a:fld id="{80AB1779-C1E4-CB47-A96C-A37D2734E6BA}" type="datetimeFigureOut">
               <a:rPr kumimoji="1" lang="ko-KR" altLang="en-US" smtClean="0"/>
-              <a:t>2024. 4. 12.</a:t>
+              <a:t>2024. 4. 30.</a:t>
             </a:fld>
             <a:endParaRPr kumimoji="1" lang="ko-KR" altLang="en-US"/>
           </a:p>
@@ -536,7 +536,59 @@
               </a:spcAft>
               <a:buNone/>
             </a:pPr>
-            <a:endParaRPr/>
+            <a:r>
+              <a:rPr lang="ko-KR" altLang="en-US" dirty="0"/>
+              <a:t>안녕하세요</a:t>
+            </a:r>
+            <a:r>
+              <a:rPr lang="en-US" altLang="ko-KR" dirty="0"/>
+              <a:t>.</a:t>
+            </a:r>
+            <a:r>
+              <a:rPr lang="ko-KR" altLang="en-US" dirty="0"/>
+              <a:t> 오토 스토어에서 </a:t>
+            </a:r>
+            <a:r>
+              <a:rPr lang="en-US" altLang="ko-KR" dirty="0"/>
+              <a:t>Spring Web MVC</a:t>
+            </a:r>
+            <a:r>
+              <a:rPr lang="ko-KR" altLang="en-US" dirty="0"/>
+              <a:t>와</a:t>
+            </a:r>
+            <a:r>
+              <a:rPr lang="en-US" altLang="ko-KR" dirty="0"/>
+              <a:t> Spring </a:t>
+            </a:r>
+            <a:r>
+              <a:rPr lang="en-US" altLang="ko-KR" dirty="0" err="1"/>
+              <a:t>WebFlux</a:t>
+            </a:r>
+            <a:r>
+              <a:rPr lang="ko-KR" altLang="en-US" dirty="0"/>
+              <a:t> 기반 </a:t>
+            </a:r>
+            <a:r>
+              <a:rPr lang="en-US" altLang="ko-KR" dirty="0"/>
+              <a:t>API </a:t>
+            </a:r>
+            <a:r>
+              <a:rPr lang="ko-KR" altLang="en-US" dirty="0"/>
+              <a:t>서버 성능 비교 분석에 대해 발표할 </a:t>
+            </a:r>
+            <a:r>
+              <a:rPr lang="en-US" altLang="ko-KR" dirty="0"/>
+              <a:t>AI</a:t>
+            </a:r>
+            <a:r>
+              <a:rPr lang="ko-KR" altLang="en-US" dirty="0"/>
+              <a:t>융합학부 강승민입니다</a:t>
+            </a:r>
+            <a:r>
+              <a:rPr lang="en-US" altLang="ko-KR" dirty="0"/>
+              <a:t>.</a:t>
+            </a:r>
+            <a:endParaRPr dirty="0"/>
           </a:p>
         </p:txBody>
       </p:sp>
@@ -640,6 +692,46 @@
               </a:spcAft>
               <a:buNone/>
             </a:pPr>
+            <a:r>
+              <a:rPr lang="ko-KR" altLang="en-US" dirty="0"/>
+              <a:t>이건 상품 </a:t>
+            </a:r>
+            <a:r>
+              <a:rPr lang="en-US" altLang="ko-KR" dirty="0"/>
+              <a:t>Entity</a:t>
+            </a:r>
+            <a:r>
+              <a:rPr lang="ko-KR" altLang="en-US" dirty="0"/>
+              <a:t> 클래스로</a:t>
+            </a:r>
+            <a:r>
+              <a:rPr lang="en-US" altLang="ko-KR" dirty="0"/>
+              <a:t>,</a:t>
+            </a:r>
+            <a:r>
+              <a:rPr lang="ko-KR" altLang="en-US" dirty="0"/>
+              <a:t> 데이터베이스에 직접 저장할 객체를 정의한 것입니다</a:t>
+            </a:r>
+            <a:r>
+              <a:rPr lang="en-US" altLang="ko-KR" dirty="0"/>
+              <a:t>.</a:t>
+            </a:r>
+            <a:r>
+              <a:rPr lang="ko-KR" altLang="en-US" dirty="0"/>
+              <a:t> </a:t>
+            </a:r>
+            <a:r>
+              <a:rPr lang="ko-KR" altLang="en-US" dirty="0" err="1"/>
+              <a:t>어노테이션을</a:t>
+            </a:r>
+            <a:r>
+              <a:rPr lang="ko-KR" altLang="en-US" dirty="0"/>
+              <a:t> 통해 여러 속성을 지정해준 것을 확인할 수 있습니다</a:t>
+            </a:r>
+            <a:r>
+              <a:rPr lang="en-US" altLang="ko-KR" dirty="0"/>
+              <a:t>.</a:t>
+            </a:r>
             <a:endParaRPr dirty="0"/>
           </a:p>
         </p:txBody>
@@ -749,7 +841,129 @@
               </a:spcAft>
               <a:buNone/>
             </a:pPr>
-            <a:endParaRPr/>
+            <a:r>
+              <a:rPr lang="ko-KR" altLang="en-US" dirty="0"/>
+              <a:t>앞서 본 코드들을 사용하여 사용자가 원하는 상품을 </a:t>
+            </a:r>
+            <a:r>
+              <a:rPr lang="en-US" altLang="ko-KR" dirty="0"/>
+              <a:t>DB</a:t>
+            </a:r>
+            <a:r>
+              <a:rPr lang="ko-KR" altLang="en-US" dirty="0"/>
+              <a:t>에 추가로 등록하는 상황을 가정해봅시다</a:t>
+            </a:r>
+            <a:r>
+              <a:rPr lang="en-US" altLang="ko-KR" dirty="0"/>
+              <a:t>.</a:t>
+            </a:r>
+            <a:r>
+              <a:rPr lang="ko-KR" altLang="en-US" dirty="0"/>
+              <a:t> </a:t>
+            </a:r>
+            <a:r>
+              <a:rPr lang="en-US" altLang="ko-KR" dirty="0"/>
+              <a:t>MVC</a:t>
+            </a:r>
+            <a:r>
+              <a:rPr lang="ko-KR" altLang="en-US" dirty="0"/>
+              <a:t>기반 </a:t>
+            </a:r>
+            <a:r>
+              <a:rPr lang="en-US" altLang="ko-KR" dirty="0"/>
+              <a:t>API</a:t>
+            </a:r>
+            <a:r>
+              <a:rPr lang="ko-KR" altLang="en-US" dirty="0" err="1"/>
+              <a:t>를</a:t>
+            </a:r>
+            <a:r>
+              <a:rPr lang="ko-KR" altLang="en-US" dirty="0"/>
+              <a:t> 사용한다고 </a:t>
+            </a:r>
+            <a:r>
+              <a:rPr lang="ko-KR" altLang="en-US" dirty="0" err="1"/>
+              <a:t>가정했구요</a:t>
+            </a:r>
+            <a:r>
+              <a:rPr lang="en-US" altLang="ko-KR" dirty="0"/>
+              <a:t>.</a:t>
+            </a:r>
+          </a:p>
+          <a:p>
+            <a:pPr marL="0" lvl="0" indent="0" algn="l" rtl="0">
+              <a:spcBef>
+                <a:spcPts val="0"/>
+              </a:spcBef>
+              <a:spcAft>
+                <a:spcPts val="0"/>
+              </a:spcAft>
+              <a:buNone/>
+            </a:pPr>
+            <a:endParaRPr lang="en-US" dirty="0"/>
+          </a:p>
+          <a:p>
+            <a:pPr marL="0" lvl="0" indent="0" algn="l" rtl="0">
+              <a:spcBef>
+                <a:spcPts val="0"/>
+              </a:spcBef>
+              <a:spcAft>
+                <a:spcPts val="0"/>
+              </a:spcAft>
+              <a:buNone/>
+            </a:pPr>
+            <a:r>
+              <a:rPr lang="en-US" altLang="ko-KR" dirty="0"/>
+              <a:t>1</a:t>
+            </a:r>
+            <a:r>
+              <a:rPr lang="ko-KR" altLang="en-US" dirty="0"/>
+              <a:t> </a:t>
+            </a:r>
+            <a:r>
+              <a:rPr lang="en-US" altLang="ko-KR" dirty="0"/>
+              <a:t>~</a:t>
+            </a:r>
+            <a:r>
+              <a:rPr lang="ko-KR" altLang="en-US" dirty="0"/>
+              <a:t> </a:t>
+            </a:r>
+            <a:r>
+              <a:rPr lang="en-US" altLang="ko-KR" dirty="0"/>
+              <a:t>9</a:t>
+            </a:r>
+            <a:r>
+              <a:rPr lang="ko-KR" altLang="en-US" dirty="0"/>
+              <a:t>번까지 시뮬레이션을 통해 알아보겠습니다</a:t>
+            </a:r>
+            <a:r>
+              <a:rPr lang="en-US" altLang="ko-KR" dirty="0"/>
+              <a:t>.</a:t>
+            </a:r>
+          </a:p>
+          <a:p>
+            <a:pPr marL="0" lvl="0" indent="0" algn="l" rtl="0">
+              <a:spcBef>
+                <a:spcPts val="0"/>
+              </a:spcBef>
+              <a:spcAft>
+                <a:spcPts val="0"/>
+              </a:spcAft>
+              <a:buNone/>
+            </a:pPr>
+            <a:endParaRPr lang="en-US" dirty="0"/>
+          </a:p>
+          <a:p>
+            <a:pPr marL="0" lvl="0" indent="0" algn="l" rtl="0">
+              <a:spcBef>
+                <a:spcPts val="0"/>
+              </a:spcBef>
+              <a:spcAft>
+                <a:spcPts val="0"/>
+              </a:spcAft>
+              <a:buNone/>
+            </a:pPr>
+            <a:endParaRPr dirty="0"/>
           </a:p>
         </p:txBody>
       </p:sp>
@@ -858,7 +1072,206 @@
               </a:spcAft>
               <a:buNone/>
             </a:pPr>
-            <a:endParaRPr/>
+            <a:r>
+              <a:rPr lang="ko-KR" altLang="en-US" dirty="0"/>
+              <a:t>원래는 클라이언트가 앱이나 웹 화면을 통해 상품을 등록하는데</a:t>
+            </a:r>
+            <a:r>
+              <a:rPr lang="en-US" altLang="ko-KR" dirty="0"/>
+              <a:t>,</a:t>
+            </a:r>
+            <a:r>
+              <a:rPr lang="ko-KR" altLang="en-US" dirty="0"/>
+              <a:t> 뷰는 따로 구현하지 않았기 때문에 </a:t>
+            </a:r>
+            <a:r>
+              <a:rPr lang="ko-KR" altLang="en-US" dirty="0" err="1"/>
+              <a:t>포스트맨으로</a:t>
+            </a:r>
+            <a:r>
+              <a:rPr lang="ko-KR" altLang="en-US" dirty="0"/>
+              <a:t> 대체하겠습니다</a:t>
+            </a:r>
+            <a:r>
+              <a:rPr lang="en-US" altLang="ko-KR" dirty="0"/>
+              <a:t>.</a:t>
+            </a:r>
+            <a:r>
+              <a:rPr lang="ko-KR" altLang="en-US" dirty="0"/>
+              <a:t> </a:t>
+            </a:r>
+            <a:endParaRPr lang="en-US" altLang="ko-KR" dirty="0"/>
+          </a:p>
+          <a:p>
+            <a:pPr marL="0" lvl="0" indent="0" algn="l" rtl="0">
+              <a:spcBef>
+                <a:spcPts val="0"/>
+              </a:spcBef>
+              <a:spcAft>
+                <a:spcPts val="0"/>
+              </a:spcAft>
+              <a:buNone/>
+            </a:pPr>
+            <a:endParaRPr lang="en-US" altLang="ko-KR" dirty="0"/>
+          </a:p>
+          <a:p>
+            <a:pPr marL="0" lvl="0" indent="0" algn="l" rtl="0">
+              <a:spcBef>
+                <a:spcPts val="0"/>
+              </a:spcBef>
+              <a:spcAft>
+                <a:spcPts val="0"/>
+              </a:spcAft>
+              <a:buNone/>
+            </a:pPr>
+            <a:r>
+              <a:rPr lang="ko-KR" altLang="en-US" dirty="0"/>
+              <a:t>앞서 본 </a:t>
+            </a:r>
+            <a:r>
+              <a:rPr lang="en-US" altLang="ko-KR" dirty="0"/>
+              <a:t>Request DTO</a:t>
+            </a:r>
+            <a:r>
+              <a:rPr lang="ko-KR" altLang="en-US" dirty="0"/>
+              <a:t>의 속성 정보에 대해</a:t>
+            </a:r>
+            <a:r>
+              <a:rPr lang="en-US" altLang="ko-KR" dirty="0"/>
+              <a:t>,</a:t>
+            </a:r>
+            <a:r>
+              <a:rPr lang="ko-KR" altLang="en-US" dirty="0"/>
+              <a:t> </a:t>
+            </a:r>
+            <a:r>
+              <a:rPr lang="en-US" altLang="ko-KR" dirty="0"/>
+              <a:t>POST </a:t>
+            </a:r>
+            <a:r>
+              <a:rPr lang="ko-KR" altLang="en-US" dirty="0"/>
+              <a:t>형식 </a:t>
+            </a:r>
+            <a:r>
+              <a:rPr lang="en-US" altLang="ko-KR" sz="1200" dirty="0">
+                <a:latin typeface="S-Core Dream 5 Medium" panose="020B0503030302020204" pitchFamily="34" charset="-127"/>
+                <a:ea typeface="S-Core Dream 5 Medium" panose="020B0503030302020204" pitchFamily="34" charset="-127"/>
+                <a:hlinkClick r:id="rId3"/>
+              </a:rPr>
+              <a:t>http://localhost:8080/mvc/product/create</a:t>
+            </a:r>
+            <a:r>
+              <a:rPr lang="ko-KR" altLang="en-US" sz="1200" dirty="0">
+                <a:latin typeface="S-Core Dream 5 Medium" panose="020B0503030302020204" pitchFamily="34" charset="-127"/>
+                <a:ea typeface="S-Core Dream 5 Medium" panose="020B0503030302020204" pitchFamily="34" charset="-127"/>
+              </a:rPr>
+              <a:t>로 </a:t>
+            </a:r>
+            <a:r>
+              <a:rPr lang="ko-KR" altLang="en-US" dirty="0"/>
+              <a:t>등록을 원하는 상품의 상세 정보를</a:t>
+            </a:r>
+            <a:r>
+              <a:rPr lang="ko-KR" altLang="en-US" sz="1200" dirty="0">
+                <a:latin typeface="S-Core Dream 5 Medium" panose="020B0503030302020204" pitchFamily="34" charset="-127"/>
+                <a:ea typeface="S-Core Dream 5 Medium" panose="020B0503030302020204" pitchFamily="34" charset="-127"/>
+              </a:rPr>
+              <a:t> </a:t>
+            </a:r>
+            <a:r>
+              <a:rPr lang="en-US" altLang="ko-KR" sz="1200" dirty="0">
+                <a:latin typeface="S-Core Dream 5 Medium" panose="020B0503030302020204" pitchFamily="34" charset="-127"/>
+                <a:ea typeface="S-Core Dream 5 Medium" panose="020B0503030302020204" pitchFamily="34" charset="-127"/>
+              </a:rPr>
+              <a:t>Body</a:t>
+            </a:r>
+            <a:r>
+              <a:rPr lang="ko-KR" altLang="en-US" sz="1200" dirty="0">
+                <a:latin typeface="S-Core Dream 5 Medium" panose="020B0503030302020204" pitchFamily="34" charset="-127"/>
+                <a:ea typeface="S-Core Dream 5 Medium" panose="020B0503030302020204" pitchFamily="34" charset="-127"/>
+              </a:rPr>
+              <a:t>에 </a:t>
+            </a:r>
+            <a:r>
+              <a:rPr lang="en-US" altLang="ko-KR" dirty="0" err="1"/>
+              <a:t>Json</a:t>
+            </a:r>
+            <a:r>
+              <a:rPr lang="en-US" altLang="ko-KR" dirty="0"/>
+              <a:t> </a:t>
+            </a:r>
+            <a:r>
+              <a:rPr lang="ko-KR" altLang="en-US" dirty="0"/>
+              <a:t>형식으로 담아 전송합니다</a:t>
+            </a:r>
+            <a:r>
+              <a:rPr lang="en-US" altLang="ko-KR" dirty="0"/>
+              <a:t>.</a:t>
+            </a:r>
+          </a:p>
+          <a:p>
+            <a:pPr marL="0" lvl="0" indent="0" algn="l" rtl="0">
+              <a:spcBef>
+                <a:spcPts val="0"/>
+              </a:spcBef>
+              <a:spcAft>
+                <a:spcPts val="0"/>
+              </a:spcAft>
+              <a:buNone/>
+            </a:pPr>
+            <a:endParaRPr lang="en-US" dirty="0"/>
+          </a:p>
+          <a:p>
+            <a:pPr marL="0" lvl="0" indent="0" algn="l" rtl="0">
+              <a:spcBef>
+                <a:spcPts val="0"/>
+              </a:spcBef>
+              <a:spcAft>
+                <a:spcPts val="0"/>
+              </a:spcAft>
+              <a:buNone/>
+            </a:pPr>
+            <a:r>
+              <a:rPr lang="ko-KR" altLang="en-US" dirty="0"/>
+              <a:t>이때</a:t>
+            </a:r>
+            <a:r>
+              <a:rPr lang="en-US" altLang="ko-KR" dirty="0"/>
+              <a:t>,</a:t>
+            </a:r>
+            <a:r>
+              <a:rPr lang="ko-KR" altLang="en-US" dirty="0"/>
+              <a:t> </a:t>
+            </a:r>
+            <a:r>
+              <a:rPr lang="ko-KR" altLang="en-US" dirty="0" err="1"/>
+              <a:t>톰켓</a:t>
+            </a:r>
+            <a:r>
+              <a:rPr lang="ko-KR" altLang="en-US" dirty="0"/>
+              <a:t> 서버가 요청을 수신하고 </a:t>
+            </a:r>
+            <a:r>
+              <a:rPr lang="ko-KR" altLang="en-US" dirty="0" err="1"/>
+              <a:t>디스패처</a:t>
+            </a:r>
+            <a:r>
+              <a:rPr lang="ko-KR" altLang="en-US" dirty="0"/>
+              <a:t> </a:t>
+            </a:r>
+            <a:r>
+              <a:rPr lang="ko-KR" altLang="en-US" dirty="0" err="1"/>
+              <a:t>서블릿이</a:t>
+            </a:r>
+            <a:r>
+              <a:rPr lang="ko-KR" altLang="en-US" dirty="0"/>
+              <a:t> 해당 요청을 처리할 수 있는 컨트롤러를 찾아 전달합니다</a:t>
+            </a:r>
+            <a:r>
+              <a:rPr lang="en-US" altLang="ko-KR" dirty="0"/>
+              <a:t>.</a:t>
+            </a:r>
+            <a:endParaRPr dirty="0"/>
           </a:p>
         </p:txBody>
       </p:sp>
@@ -967,6 +1380,85 @@
               </a:spcAft>
               <a:buNone/>
             </a:pPr>
+            <a:r>
+              <a:rPr lang="ko-KR" altLang="en-US" dirty="0"/>
+              <a:t>요청을 받을 수 있는 컨트롤러 클래스의 메소드를 찾아 해당 메소드를 실행합니다</a:t>
+            </a:r>
+            <a:r>
+              <a:rPr lang="en-US" altLang="ko-KR" dirty="0"/>
+              <a:t>.</a:t>
+            </a:r>
+            <a:r>
+              <a:rPr lang="ko-KR" altLang="en-US" dirty="0"/>
+              <a:t> 여기에서는 </a:t>
+            </a:r>
+            <a:r>
+              <a:rPr lang="en-US" altLang="ko-KR" dirty="0" err="1"/>
+              <a:t>createProduct</a:t>
+            </a:r>
+            <a:r>
+              <a:rPr lang="en-US" altLang="ko-KR" dirty="0"/>
+              <a:t> </a:t>
+            </a:r>
+            <a:r>
+              <a:rPr lang="ko-KR" altLang="en-US" dirty="0"/>
+              <a:t>함수가 요청을 받게 됩니다</a:t>
+            </a:r>
+            <a:r>
+              <a:rPr lang="en-US" altLang="ko-KR" dirty="0"/>
+              <a:t>.</a:t>
+            </a:r>
+          </a:p>
+          <a:p>
+            <a:pPr marL="0" lvl="0" indent="0" algn="l" rtl="0">
+              <a:spcBef>
+                <a:spcPts val="0"/>
+              </a:spcBef>
+              <a:spcAft>
+                <a:spcPts val="0"/>
+              </a:spcAft>
+              <a:buNone/>
+            </a:pPr>
+            <a:endParaRPr lang="en-US" dirty="0"/>
+          </a:p>
+          <a:p>
+            <a:pPr marL="0" lvl="0" indent="0" algn="l" rtl="0">
+              <a:spcBef>
+                <a:spcPts val="0"/>
+              </a:spcBef>
+              <a:spcAft>
+                <a:spcPts val="0"/>
+              </a:spcAft>
+              <a:buNone/>
+            </a:pPr>
+            <a:r>
+              <a:rPr lang="ko-KR" altLang="en-US" dirty="0"/>
+              <a:t>해당 메소드에서 아까 받은 정보를 통해 서비스 구현체의 </a:t>
+            </a:r>
+            <a:r>
+              <a:rPr lang="en-US" altLang="ko-KR" dirty="0"/>
+              <a:t>create</a:t>
+            </a:r>
+            <a:r>
+              <a:rPr lang="ko-KR" altLang="en-US" dirty="0"/>
+              <a:t> 함수를 통해 </a:t>
+            </a:r>
+            <a:r>
+              <a:rPr lang="en-US" altLang="ko-KR" dirty="0"/>
+              <a:t>Entity</a:t>
+            </a:r>
+            <a:r>
+              <a:rPr lang="ko-KR" altLang="en-US" dirty="0" err="1"/>
+              <a:t>를</a:t>
+            </a:r>
+            <a:r>
+              <a:rPr lang="ko-KR" altLang="en-US" dirty="0"/>
+              <a:t> 생성합니다</a:t>
+            </a:r>
+            <a:r>
+              <a:rPr lang="en-US" altLang="ko-KR" dirty="0"/>
+              <a:t>.</a:t>
+            </a:r>
             <a:endParaRPr dirty="0"/>
           </a:p>
         </p:txBody>
@@ -1076,6 +1568,101 @@
               </a:spcAft>
               <a:buNone/>
             </a:pPr>
+            <a:r>
+              <a:rPr lang="ko-KR" altLang="en-US" dirty="0"/>
+              <a:t>서비스 클래스의 </a:t>
+            </a:r>
+            <a:r>
+              <a:rPr lang="en-US" dirty="0"/>
+              <a:t>create</a:t>
+            </a:r>
+            <a:r>
+              <a:rPr lang="ko-KR" altLang="en-US" dirty="0" err="1"/>
+              <a:t>를</a:t>
+            </a:r>
+            <a:r>
+              <a:rPr lang="ko-KR" altLang="en-US" dirty="0"/>
+              <a:t> 실행하게 되면</a:t>
+            </a:r>
+            <a:r>
+              <a:rPr lang="en-US" altLang="ko-KR" dirty="0"/>
+              <a:t>,</a:t>
+            </a:r>
+            <a:r>
+              <a:rPr lang="ko-KR" altLang="en-US" dirty="0"/>
+              <a:t> 받은 인자를 토대로 </a:t>
+            </a:r>
+            <a:r>
+              <a:rPr lang="en-US" altLang="ko-KR" dirty="0" err="1"/>
+              <a:t>ProductEntity</a:t>
+            </a:r>
+            <a:r>
+              <a:rPr lang="ko-KR" altLang="en-US" dirty="0" err="1"/>
+              <a:t>를</a:t>
+            </a:r>
+            <a:r>
+              <a:rPr lang="ko-KR" altLang="en-US" dirty="0"/>
+              <a:t> </a:t>
+            </a:r>
+            <a:r>
+              <a:rPr lang="en-US" altLang="ko-KR" dirty="0"/>
+              <a:t>Builder </a:t>
+            </a:r>
+            <a:r>
+              <a:rPr lang="ko-KR" altLang="en-US" dirty="0"/>
+              <a:t>패턴을 통해 제작하여 </a:t>
+            </a:r>
+            <a:r>
+              <a:rPr lang="en-US" altLang="ko-KR" dirty="0"/>
+              <a:t>Repository</a:t>
+            </a:r>
+            <a:r>
+              <a:rPr lang="ko-KR" altLang="en-US" dirty="0"/>
+              <a:t> 인터페이스의 </a:t>
+            </a:r>
+            <a:r>
+              <a:rPr lang="en-US" altLang="ko-KR" dirty="0"/>
+              <a:t>save</a:t>
+            </a:r>
+            <a:r>
+              <a:rPr lang="ko-KR" altLang="en-US" dirty="0"/>
+              <a:t> 함수를 통해 </a:t>
+            </a:r>
+            <a:r>
+              <a:rPr lang="en-US" altLang="ko-KR" dirty="0"/>
+              <a:t>DB</a:t>
+            </a:r>
+            <a:r>
+              <a:rPr lang="ko-KR" altLang="en-US" dirty="0"/>
+              <a:t>에 저장하게 됩니다</a:t>
+            </a:r>
+            <a:r>
+              <a:rPr lang="en-US" altLang="ko-KR" dirty="0"/>
+              <a:t>.</a:t>
+            </a:r>
+          </a:p>
+          <a:p>
+            <a:pPr marL="0" lvl="0" indent="0" algn="l" rtl="0">
+              <a:spcBef>
+                <a:spcPts val="0"/>
+              </a:spcBef>
+              <a:spcAft>
+                <a:spcPts val="0"/>
+              </a:spcAft>
+              <a:buNone/>
+            </a:pPr>
+            <a:endParaRPr lang="en-US" dirty="0"/>
+          </a:p>
+          <a:p>
+            <a:pPr marL="0" lvl="0" indent="0" algn="l" rtl="0">
+              <a:spcBef>
+                <a:spcPts val="0"/>
+              </a:spcBef>
+              <a:spcAft>
+                <a:spcPts val="0"/>
+              </a:spcAft>
+              <a:buNone/>
+            </a:pPr>
             <a:endParaRPr dirty="0"/>
           </a:p>
         </p:txBody>
@@ -1185,6 +1772,122 @@
               </a:spcAft>
               <a:buNone/>
             </a:pPr>
+            <a:r>
+              <a:rPr lang="en-US" dirty="0"/>
+              <a:t>Repository</a:t>
+            </a:r>
+            <a:r>
+              <a:rPr lang="ko-KR" altLang="en-US" dirty="0"/>
+              <a:t>는 인터페이스이지만 </a:t>
+            </a:r>
+            <a:r>
+              <a:rPr lang="en-US" altLang="ko-KR" dirty="0" err="1"/>
+              <a:t>JpaRepository</a:t>
+            </a:r>
+            <a:r>
+              <a:rPr lang="ko-KR" altLang="en-US" dirty="0" err="1"/>
+              <a:t>를</a:t>
+            </a:r>
+            <a:r>
+              <a:rPr lang="ko-KR" altLang="en-US" dirty="0"/>
+              <a:t> 상속받아 </a:t>
+            </a:r>
+            <a:r>
+              <a:rPr lang="en-US" altLang="ko-KR" dirty="0"/>
+              <a:t>Spring Data JPA</a:t>
+            </a:r>
+            <a:r>
+              <a:rPr lang="ko-KR" altLang="en-US" dirty="0"/>
+              <a:t>라는 기술을 통해</a:t>
+            </a:r>
+            <a:r>
+              <a:rPr lang="en-US" altLang="ko-KR" dirty="0"/>
+              <a:t> </a:t>
+            </a:r>
+            <a:r>
+              <a:rPr lang="en-US" altLang="ko-KR" dirty="0" err="1"/>
+              <a:t>ProductEntity</a:t>
+            </a:r>
+            <a:r>
+              <a:rPr lang="ko-KR" altLang="en-US" dirty="0" err="1"/>
+              <a:t>를</a:t>
+            </a:r>
+            <a:r>
+              <a:rPr lang="ko-KR" altLang="en-US" dirty="0"/>
+              <a:t> 저장하는 </a:t>
+            </a:r>
+            <a:r>
+              <a:rPr lang="en-US" altLang="ko-KR" dirty="0"/>
+              <a:t>save </a:t>
+            </a:r>
+            <a:r>
+              <a:rPr lang="ko-KR" altLang="en-US" dirty="0"/>
+              <a:t>함수를 지원하게 됩니다</a:t>
+            </a:r>
+            <a:r>
+              <a:rPr lang="en-US" altLang="ko-KR" dirty="0"/>
+              <a:t>.</a:t>
+            </a:r>
+            <a:r>
+              <a:rPr lang="ko-KR" altLang="en-US" dirty="0"/>
+              <a:t> </a:t>
+            </a:r>
+            <a:endParaRPr lang="en-US" altLang="ko-KR" dirty="0"/>
+          </a:p>
+          <a:p>
+            <a:pPr marL="0" lvl="0" indent="0" algn="l" rtl="0">
+              <a:spcBef>
+                <a:spcPts val="0"/>
+              </a:spcBef>
+              <a:spcAft>
+                <a:spcPts val="0"/>
+              </a:spcAft>
+              <a:buNone/>
+            </a:pPr>
+            <a:r>
+              <a:rPr lang="en-US" dirty="0"/>
+              <a:t>save</a:t>
+            </a:r>
+            <a:r>
+              <a:rPr lang="ko-KR" altLang="en-US" dirty="0"/>
+              <a:t> 함수는 </a:t>
+            </a:r>
+            <a:r>
+              <a:rPr lang="en-US" altLang="ko-KR" dirty="0"/>
+              <a:t>DB</a:t>
+            </a:r>
+            <a:r>
+              <a:rPr lang="ko-KR" altLang="en-US" dirty="0"/>
+              <a:t>에 저장하고</a:t>
+            </a:r>
+            <a:r>
+              <a:rPr lang="en-US" altLang="ko-KR" dirty="0"/>
+              <a:t>,</a:t>
+            </a:r>
+            <a:r>
+              <a:rPr lang="ko-KR" altLang="en-US" dirty="0"/>
+              <a:t> </a:t>
+            </a:r>
+            <a:r>
+              <a:rPr lang="en-US" altLang="ko-KR" dirty="0" err="1"/>
+              <a:t>ProductEntity</a:t>
+            </a:r>
+            <a:r>
+              <a:rPr lang="ko-KR" altLang="en-US" dirty="0" err="1"/>
+              <a:t>를</a:t>
+            </a:r>
+            <a:r>
+              <a:rPr lang="ko-KR" altLang="en-US" dirty="0"/>
+              <a:t> 다시 </a:t>
+            </a:r>
+            <a:r>
+              <a:rPr lang="ko-KR" altLang="en-US" dirty="0" err="1"/>
+              <a:t>리턴합니다</a:t>
+            </a:r>
+            <a:r>
+              <a:rPr lang="en-US" altLang="ko-KR" dirty="0"/>
+              <a:t>.</a:t>
+            </a:r>
             <a:endParaRPr dirty="0"/>
           </a:p>
         </p:txBody>
@@ -1294,6 +1997,26 @@
               </a:spcAft>
               <a:buNone/>
             </a:pPr>
+            <a:r>
+              <a:rPr lang="ko-KR" altLang="en-US" dirty="0"/>
+              <a:t>앞서 </a:t>
+            </a:r>
+            <a:r>
+              <a:rPr lang="ko-KR" altLang="en-US" dirty="0" err="1"/>
+              <a:t>리턴한</a:t>
+            </a:r>
+            <a:r>
+              <a:rPr lang="ko-KR" altLang="en-US" dirty="0"/>
+              <a:t> 엔티티를 다시 리턴하고</a:t>
+            </a:r>
+            <a:r>
+              <a:rPr lang="en-US" altLang="ko-KR" dirty="0"/>
+              <a:t>,</a:t>
+            </a:r>
+            <a:r>
+              <a:rPr lang="ko-KR" altLang="en-US" dirty="0"/>
+              <a:t> </a:t>
+            </a:r>
             <a:endParaRPr dirty="0"/>
           </a:p>
         </p:txBody>
@@ -1403,6 +2126,78 @@
               </a:spcAft>
               <a:buNone/>
             </a:pPr>
+            <a:r>
+              <a:rPr lang="ko-KR" altLang="en-US" dirty="0"/>
+              <a:t>컨트롤러는 드디어 </a:t>
+            </a:r>
+            <a:r>
+              <a:rPr lang="en-US" altLang="ko-KR" dirty="0" err="1"/>
+              <a:t>productEntity</a:t>
+            </a:r>
+            <a:r>
+              <a:rPr lang="ko-KR" altLang="en-US" dirty="0"/>
+              <a:t>라는 변수에 엔티티가 담기게 됩니다</a:t>
+            </a:r>
+            <a:r>
+              <a:rPr lang="en-US" altLang="ko-KR" dirty="0"/>
+              <a:t>.</a:t>
+            </a:r>
+            <a:r>
+              <a:rPr lang="ko-KR" altLang="en-US" dirty="0"/>
+              <a:t> </a:t>
+            </a:r>
+            <a:endParaRPr lang="en-US" altLang="ko-KR" dirty="0"/>
+          </a:p>
+          <a:p>
+            <a:pPr marL="0" lvl="0" indent="0" algn="l" rtl="0">
+              <a:spcBef>
+                <a:spcPts val="0"/>
+              </a:spcBef>
+              <a:spcAft>
+                <a:spcPts val="0"/>
+              </a:spcAft>
+              <a:buNone/>
+            </a:pPr>
+            <a:endParaRPr lang="en-US" dirty="0"/>
+          </a:p>
+          <a:p>
+            <a:pPr marL="0" lvl="0" indent="0" algn="l" rtl="0">
+              <a:spcBef>
+                <a:spcPts val="0"/>
+              </a:spcBef>
+              <a:spcAft>
+                <a:spcPts val="0"/>
+              </a:spcAft>
+              <a:buNone/>
+            </a:pPr>
+            <a:r>
+              <a:rPr lang="ko-KR" altLang="en-US" dirty="0"/>
+              <a:t>그리고 컨버터를 통해 </a:t>
+            </a:r>
+            <a:r>
+              <a:rPr lang="en-US" altLang="ko-KR" dirty="0"/>
+              <a:t>Response</a:t>
+            </a:r>
+            <a:r>
+              <a:rPr lang="ko-KR" altLang="en-US" dirty="0"/>
+              <a:t> </a:t>
+            </a:r>
+            <a:r>
+              <a:rPr lang="en-US" altLang="ko-KR" dirty="0"/>
+              <a:t>DTO</a:t>
+            </a:r>
+            <a:r>
+              <a:rPr lang="ko-KR" altLang="en-US" dirty="0"/>
+              <a:t>로 변환해준 뒤 </a:t>
+            </a:r>
+            <a:r>
+              <a:rPr lang="ko-KR" altLang="en-US" dirty="0" err="1"/>
+              <a:t>리턴해주면</a:t>
+            </a:r>
+            <a:r>
+              <a:rPr lang="en-US" altLang="ko-KR" dirty="0"/>
+              <a:t>,</a:t>
+            </a:r>
             <a:endParaRPr dirty="0"/>
           </a:p>
         </p:txBody>
@@ -1512,6 +2307,18 @@
               </a:spcAft>
               <a:buNone/>
             </a:pPr>
+            <a:r>
+              <a:rPr lang="ko-KR" altLang="en-US" dirty="0"/>
+              <a:t>프론트 단에서는 받은 객체 정보를 특정 형태로 화면에 출력해줍니다</a:t>
+            </a:r>
+            <a:r>
+              <a:rPr lang="en-US" altLang="ko-KR" dirty="0"/>
+              <a:t>.</a:t>
+            </a:r>
+            <a:r>
+              <a:rPr lang="ko-KR" altLang="en-US" dirty="0"/>
+              <a:t> </a:t>
+            </a:r>
             <a:endParaRPr dirty="0"/>
           </a:p>
         </p:txBody>
@@ -1730,6 +2537,131 @@
               </a:spcAft>
               <a:buNone/>
             </a:pPr>
+            <a:r>
+              <a:rPr lang="ko-KR" altLang="en-US" dirty="0"/>
+              <a:t>목차는 다음과 같습니다</a:t>
+            </a:r>
+            <a:r>
+              <a:rPr lang="en-US" altLang="ko-KR" dirty="0"/>
+              <a:t>.</a:t>
+            </a:r>
+          </a:p>
+          <a:p>
+            <a:pPr marL="0" lvl="0" indent="0" algn="l" rtl="0">
+              <a:spcBef>
+                <a:spcPts val="0"/>
+              </a:spcBef>
+              <a:spcAft>
+                <a:spcPts val="0"/>
+              </a:spcAft>
+              <a:buNone/>
+            </a:pPr>
+            <a:endParaRPr lang="en-US" altLang="ko-KR" dirty="0"/>
+          </a:p>
+          <a:p>
+            <a:pPr marL="0" lvl="0" indent="0" algn="l" rtl="0">
+              <a:spcBef>
+                <a:spcPts val="0"/>
+              </a:spcBef>
+              <a:spcAft>
+                <a:spcPts val="0"/>
+              </a:spcAft>
+              <a:buNone/>
+            </a:pPr>
+            <a:r>
+              <a:rPr lang="ko-KR" altLang="en-US" dirty="0"/>
+              <a:t>먼저 목표를 다시 살펴보고 </a:t>
+            </a:r>
+            <a:r>
+              <a:rPr lang="en-US" altLang="ko-KR" dirty="0"/>
+              <a:t>Spring Framework</a:t>
+            </a:r>
+            <a:r>
+              <a:rPr lang="ko-KR" altLang="en-US" dirty="0"/>
+              <a:t>와 </a:t>
+            </a:r>
+            <a:r>
+              <a:rPr lang="en-US" altLang="ko-KR" dirty="0"/>
+              <a:t>Auto Store</a:t>
+            </a:r>
+            <a:r>
+              <a:rPr lang="ko-KR" altLang="en-US" dirty="0"/>
+              <a:t> 서버 시스템 구조에 대해 설명하겠습니다</a:t>
+            </a:r>
+            <a:r>
+              <a:rPr lang="en-US" altLang="ko-KR" dirty="0"/>
+              <a:t>.</a:t>
+            </a:r>
+          </a:p>
+          <a:p>
+            <a:pPr marL="0" lvl="0" indent="0" algn="l" rtl="0">
+              <a:spcBef>
+                <a:spcPts val="0"/>
+              </a:spcBef>
+              <a:spcAft>
+                <a:spcPts val="0"/>
+              </a:spcAft>
+              <a:buNone/>
+            </a:pPr>
+            <a:endParaRPr lang="en-US" dirty="0"/>
+          </a:p>
+          <a:p>
+            <a:pPr marL="0" lvl="0" indent="0" algn="l" rtl="0">
+              <a:spcBef>
+                <a:spcPts val="0"/>
+              </a:spcBef>
+              <a:spcAft>
+                <a:spcPts val="0"/>
+              </a:spcAft>
+              <a:buNone/>
+            </a:pPr>
+            <a:r>
+              <a:rPr lang="ko-KR" altLang="en-US" dirty="0"/>
+              <a:t>그 뒤에 결과물을 본 뒤</a:t>
+            </a:r>
+            <a:r>
+              <a:rPr lang="en-US" altLang="ko-KR" dirty="0"/>
+              <a:t>,</a:t>
+            </a:r>
+            <a:r>
+              <a:rPr lang="ko-KR" altLang="en-US" dirty="0"/>
+              <a:t> 그대로 시현해보도록 하겠습니다</a:t>
+            </a:r>
+            <a:r>
+              <a:rPr lang="en-US" altLang="ko-KR" dirty="0"/>
+              <a:t>.</a:t>
+            </a:r>
+          </a:p>
+          <a:p>
+            <a:pPr marL="0" lvl="0" indent="0" algn="l" rtl="0">
+              <a:spcBef>
+                <a:spcPts val="0"/>
+              </a:spcBef>
+              <a:spcAft>
+                <a:spcPts val="0"/>
+              </a:spcAft>
+              <a:buNone/>
+            </a:pPr>
+            <a:endParaRPr lang="en-US" dirty="0"/>
+          </a:p>
+          <a:p>
+            <a:pPr marL="0" lvl="0" indent="0" algn="l" rtl="0">
+              <a:spcBef>
+                <a:spcPts val="0"/>
+              </a:spcBef>
+              <a:spcAft>
+                <a:spcPts val="0"/>
+              </a:spcAft>
+              <a:buNone/>
+            </a:pPr>
+            <a:r>
+              <a:rPr lang="ko-KR" altLang="en-US" dirty="0"/>
+              <a:t>마지막으로 개발 추진 현황 및 계획과 고려사항에 대해 살펴보겠습니다</a:t>
+            </a:r>
+            <a:r>
+              <a:rPr lang="en-US" altLang="ko-KR" dirty="0"/>
+              <a:t>.</a:t>
+            </a:r>
             <a:endParaRPr dirty="0"/>
           </a:p>
         </p:txBody>
@@ -1943,7 +2875,149 @@
               </a:spcAft>
               <a:buNone/>
             </a:pPr>
-            <a:endParaRPr/>
+            <a:r>
+              <a:rPr lang="ko-KR" altLang="en-US" dirty="0"/>
+              <a:t>성능 측정 도구</a:t>
+            </a:r>
+            <a:r>
+              <a:rPr lang="en-US" altLang="ko-KR" dirty="0"/>
+              <a:t>: JMeter</a:t>
+            </a:r>
+          </a:p>
+          <a:p>
+            <a:pPr marL="0" lvl="0" indent="0" algn="l" rtl="0">
+              <a:spcBef>
+                <a:spcPts val="0"/>
+              </a:spcBef>
+              <a:spcAft>
+                <a:spcPts val="0"/>
+              </a:spcAft>
+              <a:buNone/>
+            </a:pPr>
+            <a:r>
+              <a:rPr lang="ko-KR" altLang="en-US" dirty="0"/>
+              <a:t>성능 측정 환경</a:t>
+            </a:r>
+            <a:r>
+              <a:rPr lang="en-US" altLang="ko-KR" dirty="0"/>
+              <a:t>:</a:t>
+            </a:r>
+            <a:r>
+              <a:rPr lang="ko-KR" altLang="en-US" dirty="0"/>
+              <a:t> </a:t>
+            </a:r>
+            <a:r>
+              <a:rPr lang="en-US" altLang="ko-KR" dirty="0"/>
+              <a:t>IntelliJ</a:t>
+            </a:r>
+            <a:r>
+              <a:rPr lang="ko-KR" altLang="en-US" dirty="0"/>
+              <a:t>와 </a:t>
+            </a:r>
+            <a:r>
+              <a:rPr lang="en-US" altLang="ko-KR" dirty="0"/>
+              <a:t>Docker</a:t>
+            </a:r>
+            <a:r>
+              <a:rPr lang="ko-KR" altLang="en-US" dirty="0"/>
+              <a:t> 컨테이너</a:t>
+            </a:r>
+            <a:endParaRPr lang="en-US" altLang="ko-KR" dirty="0"/>
+          </a:p>
+          <a:p>
+            <a:pPr marL="0" lvl="0" indent="0" algn="l" rtl="0">
+              <a:spcBef>
+                <a:spcPts val="0"/>
+              </a:spcBef>
+              <a:spcAft>
+                <a:spcPts val="0"/>
+              </a:spcAft>
+              <a:buNone/>
+            </a:pPr>
+            <a:r>
+              <a:rPr lang="ko-KR" altLang="en-US" dirty="0"/>
+              <a:t>성능 측정 지표</a:t>
+            </a:r>
+            <a:r>
+              <a:rPr lang="en-US" altLang="ko-KR" dirty="0"/>
+              <a:t>:</a:t>
+            </a:r>
+            <a:r>
+              <a:rPr lang="ko-KR" altLang="en-US" dirty="0"/>
+              <a:t> </a:t>
+            </a:r>
+            <a:r>
+              <a:rPr lang="en-US" altLang="ko-KR" dirty="0"/>
+              <a:t>TPS, Response Time</a:t>
+            </a:r>
+            <a:r>
+              <a:rPr lang="ko-KR" altLang="en-US" dirty="0"/>
+              <a:t>을 그래프를 통해 나타내고</a:t>
+            </a:r>
+            <a:r>
+              <a:rPr lang="en-US" altLang="ko-KR" dirty="0"/>
+              <a:t>, </a:t>
+            </a:r>
+            <a:r>
+              <a:rPr lang="ko-KR" altLang="en-US" dirty="0"/>
+              <a:t>샘플 수</a:t>
+            </a:r>
+            <a:r>
+              <a:rPr lang="en-US" altLang="ko-KR" dirty="0"/>
+              <a:t>,</a:t>
+            </a:r>
+            <a:r>
+              <a:rPr lang="ko-KR" altLang="en-US" dirty="0"/>
+              <a:t> 평균 응답 시간</a:t>
+            </a:r>
+            <a:r>
+              <a:rPr lang="en-US" altLang="ko-KR" dirty="0"/>
+              <a:t>,</a:t>
+            </a:r>
+            <a:r>
+              <a:rPr lang="ko-KR" altLang="en-US" dirty="0"/>
+              <a:t> </a:t>
+            </a:r>
+            <a:r>
+              <a:rPr lang="ko-KR" altLang="en-US" dirty="0" err="1"/>
+              <a:t>쓰루풋</a:t>
+            </a:r>
+            <a:r>
+              <a:rPr lang="en-US" altLang="ko-KR" dirty="0"/>
+              <a:t>,</a:t>
+            </a:r>
+            <a:r>
+              <a:rPr lang="ko-KR" altLang="en-US" dirty="0"/>
+              <a:t> 에러율을 추가 지표로 나타낼 예정입니다</a:t>
+            </a:r>
+            <a:r>
+              <a:rPr lang="en-US" altLang="ko-KR" dirty="0"/>
+              <a:t>.</a:t>
+            </a:r>
+          </a:p>
+          <a:p>
+            <a:pPr marL="0" lvl="0" indent="0" algn="l" rtl="0">
+              <a:spcBef>
+                <a:spcPts val="0"/>
+              </a:spcBef>
+              <a:spcAft>
+                <a:spcPts val="0"/>
+              </a:spcAft>
+              <a:buNone/>
+            </a:pPr>
+            <a:endParaRPr lang="en-US" dirty="0"/>
+          </a:p>
+          <a:p>
+            <a:pPr marL="0" lvl="0" indent="0" algn="l" rtl="0">
+              <a:spcBef>
+                <a:spcPts val="0"/>
+              </a:spcBef>
+              <a:spcAft>
+                <a:spcPts val="0"/>
+              </a:spcAft>
+              <a:buNone/>
+            </a:pPr>
+            <a:endParaRPr dirty="0"/>
           </a:p>
         </p:txBody>
       </p:sp>
@@ -2156,6 +3230,194 @@
               </a:spcAft>
               <a:buNone/>
             </a:pPr>
+            <a:r>
+              <a:rPr lang="ko-KR" altLang="en-US" dirty="0"/>
+              <a:t>이 프로젝트의 첫 번째 목표는 </a:t>
+            </a:r>
+            <a:r>
+              <a:rPr lang="en-US" altLang="ko-KR" dirty="0" err="1"/>
+              <a:t>AutoStore</a:t>
+            </a:r>
+            <a:r>
+              <a:rPr lang="en-US" altLang="ko-KR" dirty="0"/>
+              <a:t> </a:t>
+            </a:r>
+            <a:r>
+              <a:rPr lang="ko-KR" altLang="en-US" dirty="0"/>
+              <a:t>사용자를 위한 즉</a:t>
+            </a:r>
+            <a:r>
+              <a:rPr lang="en-US" altLang="ko-KR" dirty="0"/>
+              <a:t>,</a:t>
+            </a:r>
+            <a:r>
+              <a:rPr lang="ko-KR" altLang="en-US" dirty="0"/>
+              <a:t> 스마트 스토어 판매자를 위한 </a:t>
+            </a:r>
+            <a:r>
+              <a:rPr lang="en-US" altLang="ko-KR" dirty="0"/>
+              <a:t>API </a:t>
+            </a:r>
+            <a:r>
+              <a:rPr lang="ko-KR" altLang="en-US" dirty="0"/>
+              <a:t>서버를 </a:t>
+            </a:r>
+            <a:r>
+              <a:rPr lang="en-US" altLang="ko-KR" dirty="0"/>
+              <a:t>MVC</a:t>
+            </a:r>
+            <a:r>
+              <a:rPr lang="ko-KR" altLang="en-US" dirty="0"/>
+              <a:t>와 </a:t>
+            </a:r>
+            <a:r>
+              <a:rPr lang="en-US" altLang="ko-KR" dirty="0" err="1"/>
+              <a:t>WebFlux</a:t>
+            </a:r>
+            <a:r>
+              <a:rPr lang="ko-KR" altLang="en-US" dirty="0"/>
+              <a:t> 기반으로 구현하는 것입니다</a:t>
+            </a:r>
+            <a:r>
+              <a:rPr lang="en-US" altLang="ko-KR" dirty="0"/>
+              <a:t>.</a:t>
+            </a:r>
+            <a:r>
+              <a:rPr lang="ko-KR" altLang="en-US" dirty="0"/>
+              <a:t> </a:t>
+            </a:r>
+            <a:endParaRPr lang="en-US" altLang="ko-KR" dirty="0"/>
+          </a:p>
+          <a:p>
+            <a:pPr marL="0" lvl="0" indent="0" algn="l" rtl="0">
+              <a:spcBef>
+                <a:spcPts val="0"/>
+              </a:spcBef>
+              <a:spcAft>
+                <a:spcPts val="0"/>
+              </a:spcAft>
+              <a:buNone/>
+            </a:pPr>
+            <a:r>
+              <a:rPr lang="ko-KR" altLang="en-US" dirty="0"/>
+              <a:t>일단은 테스트를 위해 간단하게 상품 정보에 대한 </a:t>
+            </a:r>
+            <a:r>
+              <a:rPr lang="en-US" altLang="ko-KR" dirty="0"/>
+              <a:t>CRUD</a:t>
+            </a:r>
+            <a:r>
+              <a:rPr lang="ko-KR" altLang="en-US" dirty="0" err="1"/>
+              <a:t>를</a:t>
+            </a:r>
+            <a:r>
+              <a:rPr lang="ko-KR" altLang="en-US" dirty="0"/>
+              <a:t> 구현하였습니다</a:t>
+            </a:r>
+            <a:r>
+              <a:rPr lang="en-US" altLang="ko-KR" dirty="0"/>
+              <a:t>.</a:t>
+            </a:r>
+            <a:r>
+              <a:rPr lang="ko-KR" altLang="en-US" dirty="0"/>
+              <a:t> </a:t>
+            </a:r>
+            <a:endParaRPr lang="en-US" altLang="ko-KR" dirty="0"/>
+          </a:p>
+          <a:p>
+            <a:pPr marL="0" lvl="0" indent="0" algn="l" rtl="0">
+              <a:spcBef>
+                <a:spcPts val="0"/>
+              </a:spcBef>
+              <a:spcAft>
+                <a:spcPts val="0"/>
+              </a:spcAft>
+              <a:buNone/>
+            </a:pPr>
+            <a:endParaRPr lang="en-US" dirty="0"/>
+          </a:p>
+          <a:p>
+            <a:pPr marL="0" lvl="0" indent="0" algn="l" rtl="0">
+              <a:spcBef>
+                <a:spcPts val="0"/>
+              </a:spcBef>
+              <a:spcAft>
+                <a:spcPts val="0"/>
+              </a:spcAft>
+              <a:buNone/>
+            </a:pPr>
+            <a:r>
+              <a:rPr lang="ko-KR" altLang="en-US" dirty="0"/>
+              <a:t>두 번째 목표는 </a:t>
+            </a:r>
+            <a:r>
+              <a:rPr lang="en-US" altLang="ko-KR" dirty="0"/>
+              <a:t>MVC</a:t>
+            </a:r>
+            <a:r>
+              <a:rPr lang="ko-KR" altLang="en-US" dirty="0"/>
+              <a:t> 기반 서버와 </a:t>
+            </a:r>
+            <a:r>
+              <a:rPr lang="en-US" altLang="ko-KR" dirty="0" err="1"/>
+              <a:t>WebFlux</a:t>
+            </a:r>
+            <a:r>
+              <a:rPr lang="ko-KR" altLang="en-US" dirty="0"/>
+              <a:t> 기반 서버 각각에 대한 성능 분석 및 비교입니다</a:t>
+            </a:r>
+            <a:r>
+              <a:rPr lang="en-US" altLang="ko-KR" dirty="0"/>
+              <a:t>.</a:t>
+            </a:r>
+            <a:r>
+              <a:rPr lang="ko-KR" altLang="en-US" dirty="0"/>
+              <a:t> </a:t>
+            </a:r>
+            <a:endParaRPr lang="en-US" altLang="ko-KR" dirty="0"/>
+          </a:p>
+          <a:p>
+            <a:pPr marL="0" lvl="0" indent="0" algn="l" rtl="0">
+              <a:spcBef>
+                <a:spcPts val="0"/>
+              </a:spcBef>
+              <a:spcAft>
+                <a:spcPts val="0"/>
+              </a:spcAft>
+              <a:buNone/>
+            </a:pPr>
+            <a:r>
+              <a:rPr lang="ko-KR" altLang="en-US" dirty="0"/>
+              <a:t>사용자 수에 따라 </a:t>
+            </a:r>
+            <a:r>
+              <a:rPr lang="en-US" altLang="ko-KR" dirty="0"/>
+              <a:t>MVC</a:t>
+            </a:r>
+            <a:r>
+              <a:rPr lang="ko-KR" altLang="en-US" dirty="0"/>
+              <a:t> 기반 서버와 </a:t>
+            </a:r>
+            <a:r>
+              <a:rPr lang="en-US" altLang="ko-KR" dirty="0" err="1"/>
+              <a:t>WebFlux</a:t>
+            </a:r>
+            <a:r>
+              <a:rPr lang="ko-KR" altLang="en-US" dirty="0"/>
+              <a:t> 기반 서버 구조에 대한 성능이 어떻게 </a:t>
+            </a:r>
+            <a:r>
+              <a:rPr lang="ko-KR" altLang="en-US" dirty="0" err="1"/>
+              <a:t>차이나는지</a:t>
+            </a:r>
+            <a:r>
+              <a:rPr lang="ko-KR" altLang="en-US" dirty="0"/>
+              <a:t> 살펴볼 예정입니다</a:t>
+            </a:r>
+            <a:r>
+              <a:rPr lang="en-US" altLang="ko-KR" dirty="0"/>
+              <a:t>.</a:t>
+            </a:r>
             <a:endParaRPr dirty="0"/>
           </a:p>
         </p:txBody>
@@ -2265,7 +3527,357 @@
               </a:spcAft>
               <a:buNone/>
             </a:pPr>
-            <a:endParaRPr/>
+            <a:r>
+              <a:rPr lang="en-US" dirty="0"/>
+              <a:t>Spring Framework</a:t>
+            </a:r>
+            <a:r>
+              <a:rPr lang="ko-KR" altLang="en-US" dirty="0"/>
+              <a:t>의 시스템 구조는 크게 프레젠테이션 계층</a:t>
+            </a:r>
+            <a:r>
+              <a:rPr lang="en-US" altLang="ko-KR" dirty="0"/>
+              <a:t>,</a:t>
+            </a:r>
+            <a:r>
+              <a:rPr lang="ko-KR" altLang="en-US" dirty="0"/>
+              <a:t> 서비스 계층</a:t>
+            </a:r>
+            <a:r>
+              <a:rPr lang="en-US" altLang="ko-KR" dirty="0"/>
+              <a:t>,</a:t>
+            </a:r>
+            <a:r>
+              <a:rPr lang="ko-KR" altLang="en-US" dirty="0"/>
+              <a:t> </a:t>
+            </a:r>
+            <a:r>
+              <a:rPr lang="ko-KR" altLang="en-US" dirty="0" err="1"/>
+              <a:t>레포지토리</a:t>
+            </a:r>
+            <a:r>
+              <a:rPr lang="ko-KR" altLang="en-US" dirty="0"/>
+              <a:t> 계층으로 구성되어 있습니다</a:t>
+            </a:r>
+            <a:r>
+              <a:rPr lang="en-US" altLang="ko-KR" dirty="0"/>
+              <a:t>.</a:t>
+            </a:r>
+            <a:r>
+              <a:rPr lang="ko-KR" altLang="en-US" dirty="0"/>
+              <a:t> </a:t>
+            </a:r>
+            <a:endParaRPr lang="en-US" altLang="ko-KR" dirty="0"/>
+          </a:p>
+          <a:p>
+            <a:pPr marL="0" lvl="0" indent="0" algn="l" rtl="0">
+              <a:spcBef>
+                <a:spcPts val="0"/>
+              </a:spcBef>
+              <a:spcAft>
+                <a:spcPts val="0"/>
+              </a:spcAft>
+              <a:buNone/>
+            </a:pPr>
+            <a:endParaRPr lang="en-US" dirty="0"/>
+          </a:p>
+          <a:p>
+            <a:pPr marL="0" lvl="0" indent="0" algn="l" rtl="0">
+              <a:spcBef>
+                <a:spcPts val="0"/>
+              </a:spcBef>
+              <a:spcAft>
+                <a:spcPts val="0"/>
+              </a:spcAft>
+              <a:buNone/>
+            </a:pPr>
+            <a:r>
+              <a:rPr lang="ko-KR" altLang="en-US" dirty="0"/>
+              <a:t>프레젠테이션 계층은 웹 클라이언트의 요청에 대한 응답을 처리하고</a:t>
+            </a:r>
+            <a:r>
+              <a:rPr lang="en-US" altLang="ko-KR" dirty="0"/>
+              <a:t>,</a:t>
+            </a:r>
+            <a:r>
+              <a:rPr lang="ko-KR" altLang="en-US" dirty="0"/>
+              <a:t> 서비스 계층 혹은 데이터 </a:t>
+            </a:r>
+            <a:r>
+              <a:rPr lang="ko-KR" altLang="en-US" dirty="0" err="1"/>
+              <a:t>엑세스</a:t>
+            </a:r>
+            <a:r>
+              <a:rPr lang="ko-KR" altLang="en-US" dirty="0"/>
+              <a:t> 계층에서 발생하는 </a:t>
+            </a:r>
+            <a:r>
+              <a:rPr lang="en-US" altLang="ko-KR" dirty="0"/>
+              <a:t>Exception</a:t>
+            </a:r>
+            <a:r>
+              <a:rPr lang="ko-KR" altLang="en-US" dirty="0"/>
+              <a:t>을 처리합니다</a:t>
+            </a:r>
+            <a:r>
+              <a:rPr lang="en-US" altLang="ko-KR" dirty="0"/>
+              <a:t>.</a:t>
+            </a:r>
+            <a:r>
+              <a:rPr lang="ko-KR" altLang="en-US" dirty="0"/>
+              <a:t> 추후 살펴볼 코드에서 </a:t>
+            </a:r>
+            <a:r>
+              <a:rPr lang="en-US" altLang="ko-KR" dirty="0"/>
+              <a:t>@Controller</a:t>
+            </a:r>
+            <a:r>
+              <a:rPr lang="ko-KR" altLang="en-US" dirty="0"/>
+              <a:t> </a:t>
+            </a:r>
+            <a:r>
+              <a:rPr lang="ko-KR" altLang="en-US" dirty="0" err="1"/>
+              <a:t>어노테이션을</a:t>
+            </a:r>
+            <a:r>
+              <a:rPr lang="ko-KR" altLang="en-US" dirty="0"/>
+              <a:t> 사용하여 작성된 </a:t>
+            </a:r>
+            <a:r>
+              <a:rPr lang="en-US" altLang="ko-KR" dirty="0"/>
+              <a:t>Controller</a:t>
+            </a:r>
+            <a:r>
+              <a:rPr lang="ko-KR" altLang="en-US" dirty="0"/>
+              <a:t> 클래스가 이 계층에 속하게 됩니다</a:t>
+            </a:r>
+            <a:r>
+              <a:rPr lang="en-US" altLang="ko-KR" dirty="0"/>
+              <a:t>.</a:t>
+            </a:r>
+            <a:r>
+              <a:rPr lang="ko-KR" altLang="en-US" dirty="0"/>
+              <a:t> </a:t>
+            </a:r>
+            <a:endParaRPr lang="en-US" altLang="ko-KR" dirty="0"/>
+          </a:p>
+          <a:p>
+            <a:pPr marL="0" lvl="0" indent="0" algn="l" rtl="0">
+              <a:spcBef>
+                <a:spcPts val="0"/>
+              </a:spcBef>
+              <a:spcAft>
+                <a:spcPts val="0"/>
+              </a:spcAft>
+              <a:buNone/>
+            </a:pPr>
+            <a:endParaRPr lang="en-US" dirty="0"/>
+          </a:p>
+          <a:p>
+            <a:pPr marL="0" lvl="0" indent="0" algn="l" rtl="0">
+              <a:spcBef>
+                <a:spcPts val="0"/>
+              </a:spcBef>
+              <a:spcAft>
+                <a:spcPts val="0"/>
+              </a:spcAft>
+              <a:buNone/>
+            </a:pPr>
+            <a:r>
+              <a:rPr lang="ko-KR" altLang="en-US" dirty="0"/>
+              <a:t>서비스 계층은 애플리케이션의 비즈니스 로직 처리와 비즈니스와 관련된 모델의 적합성을 검증하고 트랜잭션을 관리합니다</a:t>
+            </a:r>
+            <a:r>
+              <a:rPr lang="en-US" altLang="ko-KR" dirty="0"/>
+              <a:t>.</a:t>
+            </a:r>
+            <a:r>
+              <a:rPr lang="ko-KR" altLang="en-US" dirty="0"/>
+              <a:t> 서비스 계층은 프레젠테이션 계층과 데이터 </a:t>
+            </a:r>
+            <a:r>
+              <a:rPr lang="ko-KR" altLang="en-US" dirty="0" err="1"/>
+              <a:t>엑세스</a:t>
+            </a:r>
+            <a:r>
+              <a:rPr lang="ko-KR" altLang="en-US" dirty="0"/>
+              <a:t> 계층 사이를 연결하는 역할로서 두 계층이 직접적으로 통신하지 않게 합니다</a:t>
+            </a:r>
+            <a:r>
+              <a:rPr lang="en-US" altLang="ko-KR" dirty="0"/>
+              <a:t>.</a:t>
+            </a:r>
+            <a:r>
+              <a:rPr lang="ko-KR" altLang="en-US" dirty="0"/>
+              <a:t> 마찬가지로</a:t>
+            </a:r>
+            <a:r>
+              <a:rPr lang="en-US" altLang="ko-KR" dirty="0"/>
+              <a:t>,</a:t>
+            </a:r>
+            <a:r>
+              <a:rPr lang="ko-KR" altLang="en-US" dirty="0"/>
+              <a:t> </a:t>
+            </a:r>
+            <a:r>
+              <a:rPr lang="en-US" altLang="ko-KR" dirty="0"/>
+              <a:t>Service </a:t>
+            </a:r>
+            <a:r>
+              <a:rPr lang="ko-KR" altLang="en-US" dirty="0"/>
+              <a:t>인터페이스와 </a:t>
+            </a:r>
+            <a:r>
+              <a:rPr lang="en-US" altLang="ko-KR" dirty="0"/>
+              <a:t>Service </a:t>
+            </a:r>
+            <a:r>
+              <a:rPr lang="ko-KR" altLang="en-US" dirty="0" err="1"/>
+              <a:t>어노테이션을</a:t>
+            </a:r>
+            <a:r>
+              <a:rPr lang="ko-KR" altLang="en-US" dirty="0"/>
+              <a:t> 사용하여 작성된 </a:t>
+            </a:r>
+            <a:r>
+              <a:rPr lang="en-US" altLang="ko-KR" dirty="0"/>
+              <a:t>Service </a:t>
+            </a:r>
+            <a:r>
+              <a:rPr lang="ko-KR" altLang="en-US" dirty="0"/>
+              <a:t>구현 클래스가 이 계층에 속합니다</a:t>
+            </a:r>
+            <a:r>
+              <a:rPr lang="en-US" altLang="ko-KR" dirty="0"/>
+              <a:t>.</a:t>
+            </a:r>
+          </a:p>
+          <a:p>
+            <a:pPr marL="0" lvl="0" indent="0" algn="l" rtl="0">
+              <a:spcBef>
+                <a:spcPts val="0"/>
+              </a:spcBef>
+              <a:spcAft>
+                <a:spcPts val="0"/>
+              </a:spcAft>
+              <a:buNone/>
+            </a:pPr>
+            <a:endParaRPr lang="en-US" dirty="0"/>
+          </a:p>
+          <a:p>
+            <a:pPr marL="0" lvl="0" indent="0" algn="l" rtl="0">
+              <a:spcBef>
+                <a:spcPts val="0"/>
+              </a:spcBef>
+              <a:spcAft>
+                <a:spcPts val="0"/>
+              </a:spcAft>
+              <a:buNone/>
+            </a:pPr>
+            <a:r>
+              <a:rPr lang="ko-KR" altLang="en-US" dirty="0" err="1"/>
+              <a:t>레포지토리</a:t>
+            </a:r>
+            <a:r>
+              <a:rPr lang="ko-KR" altLang="en-US" dirty="0"/>
+              <a:t> 계층은 </a:t>
+            </a:r>
+            <a:r>
+              <a:rPr lang="en-US" altLang="ko-KR" dirty="0"/>
+              <a:t>ORM</a:t>
+            </a:r>
+            <a:r>
+              <a:rPr lang="ko-KR" altLang="en-US" dirty="0"/>
+              <a:t>을 주로 사용하는 계층이고</a:t>
+            </a:r>
+            <a:r>
+              <a:rPr lang="en-US" altLang="ko-KR" dirty="0"/>
+              <a:t>,</a:t>
+            </a:r>
+            <a:r>
+              <a:rPr lang="ko-KR" altLang="en-US" dirty="0"/>
+              <a:t> </a:t>
+            </a:r>
+            <a:r>
+              <a:rPr lang="en-US" altLang="ko-KR" dirty="0"/>
+              <a:t>DAO </a:t>
+            </a:r>
+            <a:r>
+              <a:rPr lang="ko-KR" altLang="en-US" dirty="0"/>
+              <a:t>인터페이스와 </a:t>
+            </a:r>
+            <a:r>
+              <a:rPr lang="en-US" altLang="ko-KR" dirty="0"/>
+              <a:t>@Repository </a:t>
+            </a:r>
+            <a:r>
+              <a:rPr lang="ko-KR" altLang="en-US" dirty="0" err="1"/>
+              <a:t>어노테이션을</a:t>
+            </a:r>
+            <a:r>
+              <a:rPr lang="ko-KR" altLang="en-US" dirty="0"/>
+              <a:t> 사용하여 작성된 </a:t>
+            </a:r>
+            <a:r>
+              <a:rPr lang="en-US" altLang="ko-KR" dirty="0"/>
+              <a:t>DAO </a:t>
+            </a:r>
+            <a:r>
+              <a:rPr lang="ko-KR" altLang="en-US" dirty="0"/>
+              <a:t>구현 클래스가 이 계층에 속합니다</a:t>
+            </a:r>
+            <a:r>
+              <a:rPr lang="en-US" altLang="ko-KR" dirty="0"/>
+              <a:t>.</a:t>
+            </a:r>
+            <a:r>
+              <a:rPr lang="ko-KR" altLang="en-US" dirty="0"/>
+              <a:t> </a:t>
+            </a:r>
+            <a:r>
+              <a:rPr lang="en-US" altLang="ko-KR" dirty="0"/>
+              <a:t>Database</a:t>
+            </a:r>
+            <a:r>
+              <a:rPr lang="ko-KR" altLang="en-US" dirty="0"/>
+              <a:t>에 데이터를 </a:t>
+            </a:r>
+            <a:r>
+              <a:rPr lang="en-US" altLang="ko-KR" dirty="0"/>
+              <a:t>CRUD</a:t>
+            </a:r>
+            <a:r>
+              <a:rPr lang="ko-KR" altLang="en-US" dirty="0"/>
+              <a:t>하는 계층입니다</a:t>
+            </a:r>
+            <a:r>
+              <a:rPr lang="en-US" altLang="ko-KR" dirty="0"/>
+              <a:t>.</a:t>
+            </a:r>
+          </a:p>
+          <a:p>
+            <a:pPr marL="0" lvl="0" indent="0" algn="l" rtl="0">
+              <a:spcBef>
+                <a:spcPts val="0"/>
+              </a:spcBef>
+              <a:spcAft>
+                <a:spcPts val="0"/>
+              </a:spcAft>
+              <a:buNone/>
+            </a:pPr>
+            <a:endParaRPr lang="en-US" dirty="0"/>
+          </a:p>
+          <a:p>
+            <a:pPr marL="0" lvl="0" indent="0" algn="l" rtl="0">
+              <a:spcBef>
+                <a:spcPts val="0"/>
+              </a:spcBef>
+              <a:spcAft>
+                <a:spcPts val="0"/>
+              </a:spcAft>
+              <a:buNone/>
+            </a:pPr>
+            <a:endParaRPr dirty="0"/>
           </a:p>
         </p:txBody>
       </p:sp>
@@ -2374,6 +3986,277 @@
               </a:spcAft>
               <a:buNone/>
             </a:pPr>
+            <a:r>
+              <a:rPr lang="ko-KR" altLang="en-US" dirty="0"/>
+              <a:t>해당 장표는 스프링에 의존적인 내용은 아니지만</a:t>
+            </a:r>
+            <a:r>
+              <a:rPr lang="en-US" altLang="ko-KR" dirty="0"/>
+              <a:t>,</a:t>
+            </a:r>
+            <a:r>
+              <a:rPr lang="ko-KR" altLang="en-US" dirty="0"/>
+              <a:t> 클라이언트와 서버가 데이터를 주고받을 때 일반적으로 객체를 통해 주고받는 것을 설명하기 위해 넣게 되었습니다</a:t>
+            </a:r>
+            <a:r>
+              <a:rPr lang="en-US" altLang="ko-KR" dirty="0"/>
+              <a:t>.</a:t>
+            </a:r>
+            <a:r>
+              <a:rPr lang="ko-KR" altLang="en-US" dirty="0"/>
+              <a:t> </a:t>
+            </a:r>
+            <a:endParaRPr lang="en-US" altLang="ko-KR" dirty="0"/>
+          </a:p>
+          <a:p>
+            <a:pPr marL="0" lvl="0" indent="0" algn="l" rtl="0">
+              <a:spcBef>
+                <a:spcPts val="0"/>
+              </a:spcBef>
+              <a:spcAft>
+                <a:spcPts val="0"/>
+              </a:spcAft>
+              <a:buNone/>
+            </a:pPr>
+            <a:endParaRPr lang="en-US" altLang="ko-KR" dirty="0"/>
+          </a:p>
+          <a:p>
+            <a:pPr marL="0" lvl="0" indent="0" algn="l" rtl="0">
+              <a:spcBef>
+                <a:spcPts val="0"/>
+              </a:spcBef>
+              <a:spcAft>
+                <a:spcPts val="0"/>
+              </a:spcAft>
+              <a:buNone/>
+            </a:pPr>
+            <a:r>
+              <a:rPr lang="ko-KR" altLang="en-US" dirty="0"/>
+              <a:t>클라이언트와 컨트롤러</a:t>
+            </a:r>
+            <a:r>
+              <a:rPr lang="en-US" altLang="ko-KR" dirty="0"/>
+              <a:t>,</a:t>
+            </a:r>
+            <a:r>
+              <a:rPr lang="ko-KR" altLang="en-US" dirty="0"/>
+              <a:t> 컨트롤러와 서비스</a:t>
+            </a:r>
+            <a:r>
+              <a:rPr lang="en-US" altLang="ko-KR" dirty="0"/>
+              <a:t>,</a:t>
+            </a:r>
+            <a:r>
+              <a:rPr lang="ko-KR" altLang="en-US" dirty="0"/>
+              <a:t> 서비스와 </a:t>
+            </a:r>
+            <a:r>
+              <a:rPr lang="ko-KR" altLang="en-US" dirty="0" err="1"/>
+              <a:t>레포지토리</a:t>
+            </a:r>
+            <a:r>
+              <a:rPr lang="ko-KR" altLang="en-US" dirty="0"/>
+              <a:t> 간 데이터를 주고 받을 때는 보통 </a:t>
+            </a:r>
+            <a:r>
+              <a:rPr lang="en-US" altLang="ko-KR" dirty="0"/>
+              <a:t>DTO</a:t>
+            </a:r>
+            <a:r>
+              <a:rPr lang="ko-KR" altLang="en-US" dirty="0"/>
+              <a:t>라는 객체로 묶어 데이터를 전송하게 됩니다</a:t>
+            </a:r>
+            <a:r>
+              <a:rPr lang="en-US" altLang="ko-KR" dirty="0"/>
+              <a:t>.</a:t>
+            </a:r>
+            <a:r>
+              <a:rPr lang="ko-KR" altLang="en-US" dirty="0"/>
+              <a:t> 다만</a:t>
+            </a:r>
+            <a:r>
+              <a:rPr lang="en-US" altLang="ko-KR" dirty="0"/>
+              <a:t>,</a:t>
+            </a:r>
+            <a:r>
+              <a:rPr lang="ko-KR" altLang="en-US" dirty="0"/>
+              <a:t> </a:t>
+            </a:r>
+            <a:r>
+              <a:rPr lang="en-US" altLang="ko-KR" dirty="0"/>
+              <a:t>Repository</a:t>
+            </a:r>
+            <a:r>
+              <a:rPr lang="ko-KR" altLang="en-US" dirty="0"/>
+              <a:t>와 데이터베이스는 </a:t>
+            </a:r>
+            <a:r>
+              <a:rPr lang="en-US" altLang="ko-KR" dirty="0"/>
+              <a:t>Domain </a:t>
+            </a:r>
+            <a:r>
+              <a:rPr lang="ko-KR" altLang="en-US" dirty="0"/>
+              <a:t>혹은 </a:t>
+            </a:r>
+            <a:r>
+              <a:rPr lang="en-US" altLang="ko-KR" dirty="0"/>
+              <a:t>Entity</a:t>
+            </a:r>
+            <a:r>
+              <a:rPr lang="ko-KR" altLang="en-US" dirty="0"/>
+              <a:t>라는 객체를 통해 데이터를 저장하게 되는데 이것을 분리하는 이유는 테이블과 직접적으로 </a:t>
+            </a:r>
+            <a:r>
+              <a:rPr lang="ko-KR" altLang="en-US" dirty="0" err="1"/>
+              <a:t>매핑되는</a:t>
+            </a:r>
+            <a:r>
+              <a:rPr lang="ko-KR" altLang="en-US" dirty="0"/>
+              <a:t> </a:t>
+            </a:r>
+            <a:r>
+              <a:rPr lang="en-US" altLang="ko-KR" dirty="0"/>
+              <a:t>Entity </a:t>
+            </a:r>
+            <a:r>
+              <a:rPr lang="ko-KR" altLang="en-US" dirty="0"/>
+              <a:t>클래스가 자주 변경되면 여러 클래스에 영향을 미치게 됩니다</a:t>
+            </a:r>
+            <a:r>
+              <a:rPr lang="en-US" altLang="ko-KR" dirty="0"/>
+              <a:t>.</a:t>
+            </a:r>
+            <a:r>
+              <a:rPr lang="ko-KR" altLang="en-US" dirty="0"/>
+              <a:t> 하지만 </a:t>
+            </a:r>
+            <a:r>
+              <a:rPr lang="en-US" altLang="ko-KR" dirty="0"/>
+              <a:t>View</a:t>
+            </a:r>
+            <a:r>
+              <a:rPr lang="ko-KR" altLang="en-US" dirty="0"/>
+              <a:t>와 통신하는 </a:t>
+            </a:r>
+            <a:r>
+              <a:rPr lang="en-US" altLang="ko-KR" dirty="0"/>
+              <a:t>DTO </a:t>
+            </a:r>
+            <a:r>
+              <a:rPr lang="ko-KR" altLang="en-US" dirty="0"/>
+              <a:t>클래스는 자주 변경되기 때문에 분리할 필요성이 있습니다</a:t>
+            </a:r>
+            <a:r>
+              <a:rPr lang="en-US" altLang="ko-KR" dirty="0"/>
+              <a:t>.</a:t>
+            </a:r>
+          </a:p>
+          <a:p>
+            <a:pPr marL="0" lvl="0" indent="0" algn="l" rtl="0">
+              <a:spcBef>
+                <a:spcPts val="0"/>
+              </a:spcBef>
+              <a:spcAft>
+                <a:spcPts val="0"/>
+              </a:spcAft>
+              <a:buNone/>
+            </a:pPr>
+            <a:endParaRPr lang="en-US" dirty="0"/>
+          </a:p>
+          <a:p>
+            <a:pPr marL="0" lvl="0" indent="0" algn="l" rtl="0">
+              <a:spcBef>
+                <a:spcPts val="0"/>
+              </a:spcBef>
+              <a:spcAft>
+                <a:spcPts val="0"/>
+              </a:spcAft>
+              <a:buNone/>
+            </a:pPr>
+            <a:r>
+              <a:rPr lang="ko-KR" altLang="en-US" dirty="0"/>
+              <a:t>즉</a:t>
+            </a:r>
+            <a:r>
+              <a:rPr lang="en-US" altLang="ko-KR" dirty="0"/>
+              <a:t>,</a:t>
+            </a:r>
+            <a:r>
+              <a:rPr lang="ko-KR" altLang="en-US" dirty="0"/>
+              <a:t> </a:t>
+            </a:r>
+            <a:r>
+              <a:rPr lang="en-US" altLang="ko-KR" dirty="0"/>
+              <a:t>DTO</a:t>
+            </a:r>
+            <a:r>
+              <a:rPr lang="ko-KR" altLang="en-US" dirty="0"/>
+              <a:t>는 </a:t>
+            </a:r>
+            <a:r>
+              <a:rPr lang="en-US" altLang="ko-KR" dirty="0"/>
+              <a:t>Domain Model</a:t>
+            </a:r>
+            <a:r>
+              <a:rPr lang="ko-KR" altLang="en-US" dirty="0"/>
+              <a:t>을 복사한 형태로</a:t>
+            </a:r>
+            <a:r>
+              <a:rPr lang="en-US" altLang="ko-KR" dirty="0"/>
+              <a:t>,</a:t>
+            </a:r>
+            <a:r>
+              <a:rPr lang="ko-KR" altLang="en-US" dirty="0"/>
+              <a:t> 다양한 프레젠테이션 로직을 추가한 정도로 사용하며 </a:t>
+            </a:r>
+            <a:r>
+              <a:rPr lang="en-US" altLang="ko-KR" dirty="0"/>
+              <a:t>Domain Model </a:t>
+            </a:r>
+            <a:r>
+              <a:rPr lang="ko-KR" altLang="en-US" dirty="0"/>
+              <a:t>객체는 </a:t>
+            </a:r>
+            <a:r>
+              <a:rPr lang="en-US" altLang="ko-KR" dirty="0"/>
+              <a:t>Persistent</a:t>
+            </a:r>
+            <a:r>
+              <a:rPr lang="ko-KR" altLang="en-US" dirty="0"/>
+              <a:t>만을 위해 사용합니다</a:t>
+            </a:r>
+            <a:r>
+              <a:rPr lang="en-US" altLang="ko-KR" dirty="0"/>
+              <a:t>.</a:t>
+            </a:r>
+            <a:r>
+              <a:rPr lang="ko-KR" altLang="en-US" dirty="0"/>
+              <a:t> </a:t>
+            </a:r>
+            <a:endParaRPr lang="en-US" altLang="ko-KR" dirty="0"/>
+          </a:p>
+          <a:p>
+            <a:pPr marL="0" lvl="0" indent="0" algn="l" rtl="0">
+              <a:spcBef>
+                <a:spcPts val="0"/>
+              </a:spcBef>
+              <a:spcAft>
+                <a:spcPts val="0"/>
+              </a:spcAft>
+              <a:buNone/>
+            </a:pPr>
+            <a:endParaRPr lang="en-US" dirty="0"/>
+          </a:p>
+          <a:p>
+            <a:pPr marL="0" lvl="0" indent="0" algn="l" rtl="0">
+              <a:spcBef>
+                <a:spcPts val="0"/>
+              </a:spcBef>
+              <a:spcAft>
+                <a:spcPts val="0"/>
+              </a:spcAft>
+              <a:buNone/>
+            </a:pPr>
             <a:endParaRPr dirty="0"/>
           </a:p>
         </p:txBody>
@@ -2483,7 +4366,158 @@
               </a:spcAft>
               <a:buNone/>
             </a:pPr>
-            <a:endParaRPr/>
+            <a:r>
+              <a:rPr lang="ko-KR" altLang="en-US" dirty="0"/>
+              <a:t>다음은 오토스토어 </a:t>
+            </a:r>
+            <a:r>
+              <a:rPr lang="en-US" altLang="ko-KR" dirty="0"/>
+              <a:t>API</a:t>
+            </a:r>
+            <a:r>
+              <a:rPr lang="ko-KR" altLang="en-US" dirty="0"/>
+              <a:t> 서버의 간략한 시스템 구조입니다</a:t>
+            </a:r>
+            <a:r>
+              <a:rPr lang="en-US" altLang="ko-KR" dirty="0"/>
+              <a:t>.</a:t>
+            </a:r>
+            <a:r>
+              <a:rPr lang="ko-KR" altLang="en-US" dirty="0"/>
+              <a:t> </a:t>
+            </a:r>
+            <a:endParaRPr lang="en-US" altLang="ko-KR" dirty="0"/>
+          </a:p>
+          <a:p>
+            <a:pPr marL="0" lvl="0" indent="0" algn="l" rtl="0">
+              <a:spcBef>
+                <a:spcPts val="0"/>
+              </a:spcBef>
+              <a:spcAft>
+                <a:spcPts val="0"/>
+              </a:spcAft>
+              <a:buNone/>
+            </a:pPr>
+            <a:endParaRPr lang="en-US" dirty="0"/>
+          </a:p>
+          <a:p>
+            <a:pPr marL="0" lvl="0" indent="0" algn="l" rtl="0">
+              <a:spcBef>
+                <a:spcPts val="0"/>
+              </a:spcBef>
+              <a:spcAft>
+                <a:spcPts val="0"/>
+              </a:spcAft>
+              <a:buNone/>
+            </a:pPr>
+            <a:r>
+              <a:rPr lang="ko-KR" altLang="en-US" dirty="0"/>
+              <a:t>웹이나 스마트폰 앱을 통해 사용자로부터 요청을 받으면</a:t>
+            </a:r>
+            <a:r>
+              <a:rPr lang="en-US" altLang="ko-KR" dirty="0"/>
+              <a:t>,</a:t>
+            </a:r>
+            <a:r>
+              <a:rPr lang="ko-KR" altLang="en-US" dirty="0"/>
+              <a:t> </a:t>
+            </a:r>
+            <a:r>
+              <a:rPr lang="en-US" altLang="ko-KR" dirty="0"/>
+              <a:t>URL</a:t>
+            </a:r>
+            <a:r>
+              <a:rPr lang="ko-KR" altLang="en-US" dirty="0"/>
+              <a:t>을 통해 </a:t>
+            </a:r>
+            <a:r>
+              <a:rPr lang="en-US" altLang="ko-KR" dirty="0"/>
+              <a:t>MVC</a:t>
+            </a:r>
+            <a:r>
+              <a:rPr lang="ko-KR" altLang="en-US" dirty="0"/>
+              <a:t> 요청인지 </a:t>
+            </a:r>
+            <a:r>
+              <a:rPr lang="en-US" altLang="ko-KR" dirty="0" err="1"/>
+              <a:t>WebFlux</a:t>
+            </a:r>
+            <a:r>
+              <a:rPr lang="en-US" altLang="ko-KR" dirty="0"/>
+              <a:t> </a:t>
+            </a:r>
+            <a:r>
+              <a:rPr lang="ko-KR" altLang="en-US" dirty="0"/>
+              <a:t>요청인지 판단하여 해당 요청을 처리할 수 있는 컨트롤러로 보낸 뒤</a:t>
+            </a:r>
+            <a:r>
+              <a:rPr lang="en-US" altLang="ko-KR" dirty="0"/>
+              <a:t>,</a:t>
+            </a:r>
+            <a:r>
+              <a:rPr lang="ko-KR" altLang="en-US" dirty="0"/>
+              <a:t> 서비스와 </a:t>
+            </a:r>
+            <a:r>
+              <a:rPr lang="ko-KR" altLang="en-US" dirty="0" err="1"/>
+              <a:t>레포지토리를</a:t>
+            </a:r>
+            <a:r>
+              <a:rPr lang="ko-KR" altLang="en-US" dirty="0"/>
+              <a:t> 거쳐 </a:t>
+            </a:r>
+            <a:r>
+              <a:rPr lang="en-US" altLang="ko-KR" dirty="0"/>
+              <a:t>MySQL</a:t>
+            </a:r>
+            <a:r>
+              <a:rPr lang="ko-KR" altLang="en-US" dirty="0"/>
+              <a:t> 데이터베이스에서 데이터를 </a:t>
+            </a:r>
+            <a:r>
+              <a:rPr lang="en-US" altLang="ko-KR" dirty="0"/>
+              <a:t>CRUD</a:t>
+            </a:r>
+            <a:r>
+              <a:rPr lang="ko-KR" altLang="en-US" dirty="0"/>
+              <a:t> 하는 방식입니다</a:t>
+            </a:r>
+            <a:r>
+              <a:rPr lang="en-US" altLang="ko-KR" dirty="0"/>
+              <a:t>.</a:t>
+            </a:r>
+          </a:p>
+          <a:p>
+            <a:pPr marL="0" lvl="0" indent="0" algn="l" rtl="0">
+              <a:spcBef>
+                <a:spcPts val="0"/>
+              </a:spcBef>
+              <a:spcAft>
+                <a:spcPts val="0"/>
+              </a:spcAft>
+              <a:buNone/>
+            </a:pPr>
+            <a:endParaRPr lang="en-US" dirty="0"/>
+          </a:p>
+          <a:p>
+            <a:pPr marL="0" lvl="0" indent="0" algn="l" rtl="0">
+              <a:spcBef>
+                <a:spcPts val="0"/>
+              </a:spcBef>
+              <a:spcAft>
+                <a:spcPts val="0"/>
+              </a:spcAft>
+              <a:buNone/>
+            </a:pPr>
+            <a:r>
+              <a:rPr lang="ko-KR" altLang="en-US" dirty="0"/>
+              <a:t>더 많은 세부사항들이 있지만 해당 장표에서는 추상화를 위해 생략하였습니다</a:t>
+            </a:r>
+            <a:r>
+              <a:rPr lang="en-US" altLang="ko-KR" dirty="0"/>
+              <a:t>.</a:t>
+            </a:r>
+            <a:endParaRPr dirty="0"/>
           </a:p>
         </p:txBody>
       </p:sp>
@@ -2592,7 +4626,202 @@
               </a:spcAft>
               <a:buNone/>
             </a:pPr>
-            <a:endParaRPr/>
+            <a:r>
+              <a:rPr lang="ko-KR" altLang="en-US" dirty="0"/>
+              <a:t>다음은 오토스토어 </a:t>
+            </a:r>
+            <a:r>
+              <a:rPr lang="en-US" altLang="ko-KR" dirty="0"/>
+              <a:t>API</a:t>
+            </a:r>
+            <a:r>
+              <a:rPr lang="ko-KR" altLang="en-US" dirty="0"/>
+              <a:t>  서버의 명세입니다</a:t>
+            </a:r>
+            <a:r>
+              <a:rPr lang="en-US" altLang="ko-KR" dirty="0"/>
+              <a:t>.</a:t>
+            </a:r>
+            <a:r>
+              <a:rPr lang="ko-KR" altLang="en-US" dirty="0"/>
+              <a:t> </a:t>
+            </a:r>
+            <a:endParaRPr lang="en-US" altLang="ko-KR" dirty="0"/>
+          </a:p>
+          <a:p>
+            <a:pPr marL="0" lvl="0" indent="0" algn="l" rtl="0">
+              <a:spcBef>
+                <a:spcPts val="0"/>
+              </a:spcBef>
+              <a:spcAft>
+                <a:spcPts val="0"/>
+              </a:spcAft>
+              <a:buNone/>
+            </a:pPr>
+            <a:endParaRPr lang="en-US" dirty="0"/>
+          </a:p>
+          <a:p>
+            <a:pPr marL="0" lvl="0" indent="0" algn="l" rtl="0">
+              <a:spcBef>
+                <a:spcPts val="0"/>
+              </a:spcBef>
+              <a:spcAft>
+                <a:spcPts val="0"/>
+              </a:spcAft>
+              <a:buNone/>
+            </a:pPr>
+            <a:r>
+              <a:rPr lang="ko-KR" altLang="en-US" dirty="0"/>
+              <a:t>현재</a:t>
+            </a:r>
+            <a:r>
+              <a:rPr lang="en-US" altLang="ko-KR" dirty="0"/>
+              <a:t>,</a:t>
+            </a:r>
+            <a:r>
+              <a:rPr lang="ko-KR" altLang="en-US" dirty="0"/>
+              <a:t> </a:t>
+            </a:r>
+            <a:r>
+              <a:rPr lang="en-US" altLang="ko-KR" dirty="0"/>
+              <a:t>MVC</a:t>
+            </a:r>
+            <a:r>
+              <a:rPr lang="ko-KR" altLang="en-US" dirty="0"/>
+              <a:t>와 </a:t>
+            </a:r>
+            <a:r>
+              <a:rPr lang="en-US" altLang="ko-KR" dirty="0" err="1"/>
+              <a:t>WebFlux</a:t>
+            </a:r>
+            <a:r>
+              <a:rPr lang="ko-KR" altLang="en-US" dirty="0"/>
+              <a:t> 기반 </a:t>
+            </a:r>
+            <a:r>
+              <a:rPr lang="en-US" altLang="ko-KR" dirty="0"/>
+              <a:t>CRUD</a:t>
+            </a:r>
+            <a:r>
+              <a:rPr lang="ko-KR" altLang="en-US" dirty="0" err="1"/>
+              <a:t>를</a:t>
+            </a:r>
+            <a:r>
+              <a:rPr lang="ko-KR" altLang="en-US" dirty="0"/>
+              <a:t> 각각 구현하였으며</a:t>
+            </a:r>
+            <a:r>
+              <a:rPr lang="en-US" altLang="ko-KR" dirty="0"/>
+              <a:t>,</a:t>
+            </a:r>
+            <a:r>
+              <a:rPr lang="ko-KR" altLang="en-US" dirty="0"/>
+              <a:t> 상품 </a:t>
+            </a:r>
+            <a:r>
+              <a:rPr lang="en-US" altLang="ko-KR" dirty="0"/>
+              <a:t>1</a:t>
+            </a:r>
+            <a:r>
+              <a:rPr lang="ko-KR" altLang="en-US" dirty="0"/>
+              <a:t>개 조회</a:t>
+            </a:r>
+            <a:r>
+              <a:rPr lang="en-US" altLang="ko-KR" dirty="0"/>
+              <a:t>,</a:t>
+            </a:r>
+            <a:r>
+              <a:rPr lang="ko-KR" altLang="en-US" dirty="0"/>
+              <a:t> 상품 전체 조회</a:t>
+            </a:r>
+            <a:r>
+              <a:rPr lang="en-US" altLang="ko-KR" dirty="0"/>
+              <a:t>,</a:t>
+            </a:r>
+            <a:r>
+              <a:rPr lang="ko-KR" altLang="en-US" dirty="0"/>
+              <a:t> 상품 정보 수정</a:t>
+            </a:r>
+            <a:r>
+              <a:rPr lang="en-US" altLang="ko-KR" dirty="0"/>
+              <a:t>,</a:t>
+            </a:r>
+            <a:r>
+              <a:rPr lang="ko-KR" altLang="en-US" dirty="0"/>
+              <a:t> 상품 등록</a:t>
+            </a:r>
+            <a:r>
+              <a:rPr lang="en-US" altLang="ko-KR" dirty="0"/>
+              <a:t>,</a:t>
+            </a:r>
+            <a:r>
+              <a:rPr lang="ko-KR" altLang="en-US" dirty="0"/>
+              <a:t> 상품 삭제를 각각 구현하여 총 </a:t>
+            </a:r>
+            <a:r>
+              <a:rPr lang="en-US" altLang="ko-KR" dirty="0"/>
+              <a:t>10</a:t>
+            </a:r>
+            <a:r>
+              <a:rPr lang="ko-KR" altLang="en-US" dirty="0"/>
+              <a:t>개의 </a:t>
+            </a:r>
+            <a:r>
+              <a:rPr lang="en-US" altLang="ko-KR" dirty="0"/>
+              <a:t>API</a:t>
+            </a:r>
+            <a:r>
+              <a:rPr lang="ko-KR" altLang="en-US" dirty="0" err="1"/>
+              <a:t>를</a:t>
+            </a:r>
+            <a:r>
+              <a:rPr lang="ko-KR" altLang="en-US" dirty="0"/>
+              <a:t> 구현하였습니다</a:t>
+            </a:r>
+            <a:r>
+              <a:rPr lang="en-US" altLang="ko-KR" dirty="0"/>
+              <a:t>.</a:t>
+            </a:r>
+          </a:p>
+          <a:p>
+            <a:pPr marL="0" lvl="0" indent="0" algn="l" rtl="0">
+              <a:spcBef>
+                <a:spcPts val="0"/>
+              </a:spcBef>
+              <a:spcAft>
+                <a:spcPts val="0"/>
+              </a:spcAft>
+              <a:buNone/>
+            </a:pPr>
+            <a:endParaRPr lang="en-US" dirty="0"/>
+          </a:p>
+          <a:p>
+            <a:pPr marL="0" lvl="0" indent="0" algn="l" rtl="0">
+              <a:spcBef>
+                <a:spcPts val="0"/>
+              </a:spcBef>
+              <a:spcAft>
+                <a:spcPts val="0"/>
+              </a:spcAft>
+              <a:buNone/>
+            </a:pPr>
+            <a:r>
+              <a:rPr lang="ko-KR" altLang="en-US" dirty="0"/>
+              <a:t>추후 더 필요한 </a:t>
+            </a:r>
+            <a:r>
+              <a:rPr lang="en-US" altLang="ko-KR" dirty="0"/>
+              <a:t>API</a:t>
+            </a:r>
+            <a:r>
+              <a:rPr lang="ko-KR" altLang="en-US" dirty="0"/>
+              <a:t>가 있다면 추가할 예정입니다</a:t>
+            </a:r>
+            <a:r>
+              <a:rPr lang="en-US" altLang="ko-KR" dirty="0"/>
+              <a:t>.</a:t>
+            </a:r>
+            <a:endParaRPr dirty="0"/>
           </a:p>
         </p:txBody>
       </p:sp>
@@ -2701,7 +4930,154 @@
               </a:spcAft>
               <a:buNone/>
             </a:pPr>
-            <a:endParaRPr/>
+            <a:r>
+              <a:rPr lang="ko-KR" altLang="en-US" dirty="0"/>
+              <a:t>다음은 결과물입니다</a:t>
+            </a:r>
+            <a:r>
+              <a:rPr lang="en-US" altLang="ko-KR" dirty="0"/>
+              <a:t>.</a:t>
+            </a:r>
+            <a:r>
+              <a:rPr lang="ko-KR" altLang="en-US" dirty="0"/>
+              <a:t> </a:t>
+            </a:r>
+            <a:endParaRPr lang="en-US" altLang="ko-KR" dirty="0"/>
+          </a:p>
+          <a:p>
+            <a:pPr marL="0" lvl="0" indent="0" algn="l" rtl="0">
+              <a:spcBef>
+                <a:spcPts val="0"/>
+              </a:spcBef>
+              <a:spcAft>
+                <a:spcPts val="0"/>
+              </a:spcAft>
+              <a:buNone/>
+            </a:pPr>
+            <a:endParaRPr lang="en-US" dirty="0"/>
+          </a:p>
+          <a:p>
+            <a:pPr marL="0" lvl="0" indent="0" algn="l" rtl="0">
+              <a:spcBef>
+                <a:spcPts val="0"/>
+              </a:spcBef>
+              <a:spcAft>
+                <a:spcPts val="0"/>
+              </a:spcAft>
+              <a:buNone/>
+            </a:pPr>
+            <a:r>
+              <a:rPr lang="ko-KR" altLang="en-US" dirty="0"/>
+              <a:t>인텔리제이를 통해 프로젝트 패키지 구조를 간단하게 캡처해보았습니다</a:t>
+            </a:r>
+            <a:r>
+              <a:rPr lang="en-US" altLang="ko-KR" dirty="0"/>
+              <a:t>.</a:t>
+            </a:r>
+            <a:r>
+              <a:rPr lang="ko-KR" altLang="en-US" dirty="0"/>
+              <a:t> </a:t>
+            </a:r>
+            <a:endParaRPr lang="en-US" altLang="ko-KR" dirty="0"/>
+          </a:p>
+          <a:p>
+            <a:pPr marL="0" lvl="0" indent="0" algn="l" rtl="0">
+              <a:spcBef>
+                <a:spcPts val="0"/>
+              </a:spcBef>
+              <a:spcAft>
+                <a:spcPts val="0"/>
+              </a:spcAft>
+              <a:buNone/>
+            </a:pPr>
+            <a:endParaRPr lang="en-US" dirty="0"/>
+          </a:p>
+          <a:p>
+            <a:pPr marL="0" lvl="0" indent="0" algn="l" rtl="0">
+              <a:spcBef>
+                <a:spcPts val="0"/>
+              </a:spcBef>
+              <a:spcAft>
+                <a:spcPts val="0"/>
+              </a:spcAft>
+              <a:buNone/>
+            </a:pPr>
+            <a:endParaRPr lang="en-US" dirty="0"/>
+          </a:p>
+          <a:p>
+            <a:pPr marL="0" lvl="0" indent="0" algn="l" rtl="0">
+              <a:spcBef>
+                <a:spcPts val="0"/>
+              </a:spcBef>
+              <a:spcAft>
+                <a:spcPts val="0"/>
+              </a:spcAft>
+              <a:buNone/>
+            </a:pPr>
+            <a:r>
+              <a:rPr lang="en-US" altLang="ko-KR" dirty="0"/>
+              <a:t>(</a:t>
+            </a:r>
+            <a:r>
+              <a:rPr lang="ko-KR" altLang="en-US" dirty="0"/>
+              <a:t> </a:t>
+            </a:r>
+            <a:r>
+              <a:rPr lang="en-US" altLang="ko-KR" dirty="0"/>
+              <a:t>~~~</a:t>
+            </a:r>
+            <a:r>
+              <a:rPr lang="ko-KR" altLang="en-US" dirty="0"/>
+              <a:t> 설명 </a:t>
+            </a:r>
+            <a:r>
+              <a:rPr lang="en-US" altLang="ko-KR" dirty="0"/>
+              <a:t>~~~</a:t>
+            </a:r>
+            <a:r>
+              <a:rPr lang="ko-KR" altLang="en-US" dirty="0"/>
+              <a:t> </a:t>
+            </a:r>
+            <a:r>
+              <a:rPr lang="en-US" altLang="ko-KR" dirty="0"/>
+              <a:t>)</a:t>
+            </a:r>
+          </a:p>
+          <a:p>
+            <a:pPr marL="0" lvl="0" indent="0" algn="l" rtl="0">
+              <a:spcBef>
+                <a:spcPts val="0"/>
+              </a:spcBef>
+              <a:spcAft>
+                <a:spcPts val="0"/>
+              </a:spcAft>
+              <a:buNone/>
+            </a:pPr>
+            <a:endParaRPr lang="en-US" dirty="0"/>
+          </a:p>
+          <a:p>
+            <a:pPr marL="0" lvl="0" indent="0" algn="l" rtl="0">
+              <a:spcBef>
+                <a:spcPts val="0"/>
+              </a:spcBef>
+              <a:spcAft>
+                <a:spcPts val="0"/>
+              </a:spcAft>
+              <a:buNone/>
+            </a:pPr>
+            <a:r>
+              <a:rPr lang="ko-KR" altLang="en-US" dirty="0"/>
+              <a:t>자세한 코드 내용은 시간관계상 생략하겠습니다</a:t>
+            </a:r>
+            <a:r>
+              <a:rPr lang="en-US" altLang="ko-KR" dirty="0"/>
+              <a:t>.</a:t>
+            </a:r>
+            <a:r>
+              <a:rPr lang="ko-KR" altLang="en-US" dirty="0"/>
+              <a:t> </a:t>
+            </a:r>
+            <a:endParaRPr dirty="0"/>
           </a:p>
         </p:txBody>
       </p:sp>
@@ -2810,6 +5186,182 @@
               </a:spcAft>
               <a:buNone/>
             </a:pPr>
+            <a:r>
+              <a:rPr lang="ko-KR" altLang="en-US" dirty="0"/>
+              <a:t>클라이언트와 </a:t>
+            </a:r>
+            <a:r>
+              <a:rPr lang="ko-KR" altLang="en-US" dirty="0" err="1"/>
+              <a:t>컨틀롤러가</a:t>
+            </a:r>
+            <a:r>
+              <a:rPr lang="ko-KR" altLang="en-US" dirty="0"/>
+              <a:t> 주고받는 임시 </a:t>
+            </a:r>
+            <a:r>
+              <a:rPr lang="en-US" altLang="ko-KR" dirty="0"/>
+              <a:t>DTO</a:t>
+            </a:r>
+            <a:r>
+              <a:rPr lang="ko-KR" altLang="en-US" dirty="0"/>
+              <a:t> 클래스입니다</a:t>
+            </a:r>
+            <a:r>
+              <a:rPr lang="en-US" altLang="ko-KR" dirty="0"/>
+              <a:t>.</a:t>
+            </a:r>
+            <a:r>
+              <a:rPr lang="ko-KR" altLang="en-US" dirty="0"/>
+              <a:t> </a:t>
+            </a:r>
+            <a:r>
+              <a:rPr lang="en-US" altLang="ko-KR" dirty="0"/>
+              <a:t>Request</a:t>
+            </a:r>
+            <a:r>
+              <a:rPr lang="ko-KR" altLang="en-US" dirty="0"/>
+              <a:t> </a:t>
+            </a:r>
+            <a:r>
+              <a:rPr lang="en-US" altLang="ko-KR" dirty="0"/>
+              <a:t>DTO</a:t>
+            </a:r>
+            <a:r>
+              <a:rPr lang="ko-KR" altLang="en-US" dirty="0"/>
+              <a:t>에는</a:t>
+            </a:r>
+            <a:r>
+              <a:rPr lang="en-US" altLang="ko-KR" dirty="0"/>
+              <a:t> </a:t>
+            </a:r>
+            <a:r>
+              <a:rPr lang="ko-KR" altLang="en-US" dirty="0"/>
+              <a:t>판매자 아이디</a:t>
+            </a:r>
+            <a:r>
+              <a:rPr lang="en-US" altLang="ko-KR" dirty="0"/>
+              <a:t>,</a:t>
+            </a:r>
+            <a:r>
+              <a:rPr lang="ko-KR" altLang="en-US" dirty="0"/>
+              <a:t> 상품 이름</a:t>
+            </a:r>
+            <a:r>
+              <a:rPr lang="en-US" altLang="ko-KR" dirty="0"/>
+              <a:t>,</a:t>
+            </a:r>
+            <a:r>
+              <a:rPr lang="ko-KR" altLang="en-US" dirty="0"/>
+              <a:t> 가격</a:t>
+            </a:r>
+            <a:r>
+              <a:rPr lang="en-US" altLang="ko-KR" dirty="0"/>
+              <a:t>,</a:t>
+            </a:r>
+            <a:r>
+              <a:rPr lang="ko-KR" altLang="en-US" dirty="0"/>
+              <a:t> 카테고리</a:t>
+            </a:r>
+            <a:r>
+              <a:rPr lang="en-US" altLang="ko-KR" dirty="0"/>
+              <a:t>,</a:t>
+            </a:r>
+            <a:r>
+              <a:rPr lang="ko-KR" altLang="en-US" dirty="0"/>
+              <a:t> 썸네일 이미지 주소 등에 대한 정보가 들어있습니다</a:t>
+            </a:r>
+            <a:r>
+              <a:rPr lang="en-US" altLang="ko-KR" dirty="0"/>
+              <a:t>.</a:t>
+            </a:r>
+            <a:r>
+              <a:rPr lang="ko-KR" altLang="en-US" dirty="0"/>
+              <a:t> 여기서 오른쪽과 다르게 상품 아이디와 생성일시</a:t>
+            </a:r>
+            <a:r>
+              <a:rPr lang="en-US" altLang="ko-KR" dirty="0"/>
+              <a:t>,</a:t>
+            </a:r>
+            <a:r>
+              <a:rPr lang="ko-KR" altLang="en-US" dirty="0"/>
+              <a:t> 수정일시를 넣지 않았는데요</a:t>
+            </a:r>
+            <a:r>
+              <a:rPr lang="en-US" altLang="ko-KR" dirty="0"/>
+              <a:t>.</a:t>
+            </a:r>
+            <a:r>
+              <a:rPr lang="ko-KR" altLang="en-US" dirty="0"/>
+              <a:t> 생성일시와 수정일시는 다음 장표에서 볼 엔티티 클래스에서 </a:t>
+            </a:r>
+            <a:r>
+              <a:rPr lang="ko-KR" altLang="en-US" dirty="0" err="1"/>
+              <a:t>어노테이션을</a:t>
+            </a:r>
+            <a:r>
+              <a:rPr lang="ko-KR" altLang="en-US" dirty="0"/>
+              <a:t> 통해 자동으로 생성해주기 때문에 제외하였습니다</a:t>
+            </a:r>
+            <a:r>
+              <a:rPr lang="en-US" altLang="ko-KR" dirty="0"/>
+              <a:t>.</a:t>
+            </a:r>
+            <a:r>
+              <a:rPr lang="ko-KR" altLang="en-US" dirty="0"/>
+              <a:t> </a:t>
+            </a:r>
+            <a:endParaRPr lang="en-US" altLang="ko-KR" dirty="0"/>
+          </a:p>
+          <a:p>
+            <a:pPr marL="0" lvl="0" indent="0" algn="l" rtl="0">
+              <a:spcBef>
+                <a:spcPts val="0"/>
+              </a:spcBef>
+              <a:spcAft>
+                <a:spcPts val="0"/>
+              </a:spcAft>
+              <a:buNone/>
+            </a:pPr>
+            <a:endParaRPr lang="en-US" dirty="0"/>
+          </a:p>
+          <a:p>
+            <a:pPr marL="0" lvl="0" indent="0" algn="l" rtl="0">
+              <a:spcBef>
+                <a:spcPts val="0"/>
+              </a:spcBef>
+              <a:spcAft>
+                <a:spcPts val="0"/>
+              </a:spcAft>
+              <a:buNone/>
+            </a:pPr>
+            <a:r>
+              <a:rPr lang="ko-KR" altLang="en-US" dirty="0"/>
+              <a:t>반대로 오른쪽은 응답 </a:t>
+            </a:r>
+            <a:r>
+              <a:rPr lang="en-US" altLang="ko-KR" dirty="0"/>
+              <a:t>DTO</a:t>
+            </a:r>
+            <a:r>
+              <a:rPr lang="ko-KR" altLang="en-US" dirty="0"/>
+              <a:t>이고</a:t>
+            </a:r>
+            <a:r>
+              <a:rPr lang="en-US" altLang="ko-KR" dirty="0"/>
+              <a:t>,</a:t>
+            </a:r>
+            <a:r>
+              <a:rPr lang="ko-KR" altLang="en-US" dirty="0"/>
+              <a:t> 상품 아이디부터 수정일시까지 모든 정보가 담겨있는 것을 확인하실 수 있습니다</a:t>
+            </a:r>
+            <a:r>
+              <a:rPr lang="en-US" altLang="ko-KR" dirty="0"/>
+              <a:t>.</a:t>
+            </a:r>
+            <a:r>
+              <a:rPr lang="ko-KR" altLang="en-US" dirty="0"/>
+              <a:t> </a:t>
+            </a:r>
             <a:endParaRPr dirty="0"/>
           </a:p>
         </p:txBody>
@@ -3015,7 +5567,7 @@
           <a:p>
             <a:fld id="{A07A3FB5-B8F8-E14F-8476-011688EB8B1C}" type="datetimeFigureOut">
               <a:rPr kumimoji="1" lang="ko-KR" altLang="en-US" smtClean="0"/>
-              <a:t>2024. 4. 12.</a:t>
+              <a:t>2024. 4. 30.</a:t>
             </a:fld>
             <a:endParaRPr kumimoji="1" lang="ko-KR" altLang="en-US"/>
           </a:p>
@@ -3213,7 +5765,7 @@
           <a:p>
             <a:fld id="{A07A3FB5-B8F8-E14F-8476-011688EB8B1C}" type="datetimeFigureOut">
               <a:rPr kumimoji="1" lang="ko-KR" altLang="en-US" smtClean="0"/>
-              <a:t>2024. 4. 12.</a:t>
+              <a:t>2024. 4. 30.</a:t>
             </a:fld>
             <a:endParaRPr kumimoji="1" lang="ko-KR" altLang="en-US"/>
           </a:p>
@@ -3421,7 +5973,7 @@
           <a:p>
             <a:fld id="{A07A3FB5-B8F8-E14F-8476-011688EB8B1C}" type="datetimeFigureOut">
               <a:rPr kumimoji="1" lang="ko-KR" altLang="en-US" smtClean="0"/>
-              <a:t>2024. 4. 12.</a:t>
+              <a:t>2024. 4. 30.</a:t>
             </a:fld>
             <a:endParaRPr kumimoji="1" lang="ko-KR" altLang="en-US"/>
           </a:p>
@@ -3619,7 +6171,7 @@
           <a:p>
             <a:fld id="{A07A3FB5-B8F8-E14F-8476-011688EB8B1C}" type="datetimeFigureOut">
               <a:rPr kumimoji="1" lang="ko-KR" altLang="en-US" smtClean="0"/>
-              <a:t>2024. 4. 12.</a:t>
+              <a:t>2024. 4. 30.</a:t>
             </a:fld>
             <a:endParaRPr kumimoji="1" lang="ko-KR" altLang="en-US"/>
           </a:p>
@@ -3894,7 +6446,7 @@
           <a:p>
             <a:fld id="{A07A3FB5-B8F8-E14F-8476-011688EB8B1C}" type="datetimeFigureOut">
               <a:rPr kumimoji="1" lang="ko-KR" altLang="en-US" smtClean="0"/>
-              <a:t>2024. 4. 12.</a:t>
+              <a:t>2024. 4. 30.</a:t>
             </a:fld>
             <a:endParaRPr kumimoji="1" lang="ko-KR" altLang="en-US"/>
           </a:p>
@@ -4159,7 +6711,7 @@
           <a:p>
             <a:fld id="{A07A3FB5-B8F8-E14F-8476-011688EB8B1C}" type="datetimeFigureOut">
               <a:rPr kumimoji="1" lang="ko-KR" altLang="en-US" smtClean="0"/>
-              <a:t>2024. 4. 12.</a:t>
+              <a:t>2024. 4. 30.</a:t>
             </a:fld>
             <a:endParaRPr kumimoji="1" lang="ko-KR" altLang="en-US"/>
           </a:p>
@@ -4571,7 +7123,7 @@
           <a:p>
             <a:fld id="{A07A3FB5-B8F8-E14F-8476-011688EB8B1C}" type="datetimeFigureOut">
               <a:rPr kumimoji="1" lang="ko-KR" altLang="en-US" smtClean="0"/>
-              <a:t>2024. 4. 12.</a:t>
+              <a:t>2024. 4. 30.</a:t>
             </a:fld>
             <a:endParaRPr kumimoji="1" lang="ko-KR" altLang="en-US"/>
           </a:p>
@@ -4712,7 +7264,7 @@
           <a:p>
             <a:fld id="{A07A3FB5-B8F8-E14F-8476-011688EB8B1C}" type="datetimeFigureOut">
               <a:rPr kumimoji="1" lang="ko-KR" altLang="en-US" smtClean="0"/>
-              <a:t>2024. 4. 12.</a:t>
+              <a:t>2024. 4. 30.</a:t>
             </a:fld>
             <a:endParaRPr kumimoji="1" lang="ko-KR" altLang="en-US"/>
           </a:p>
@@ -4825,7 +7377,7 @@
           <a:p>
             <a:fld id="{A07A3FB5-B8F8-E14F-8476-011688EB8B1C}" type="datetimeFigureOut">
               <a:rPr kumimoji="1" lang="ko-KR" altLang="en-US" smtClean="0"/>
-              <a:t>2024. 4. 12.</a:t>
+              <a:t>2024. 4. 30.</a:t>
             </a:fld>
             <a:endParaRPr kumimoji="1" lang="ko-KR" altLang="en-US"/>
           </a:p>
@@ -5136,7 +7688,7 @@
           <a:p>
             <a:fld id="{A07A3FB5-B8F8-E14F-8476-011688EB8B1C}" type="datetimeFigureOut">
               <a:rPr kumimoji="1" lang="ko-KR" altLang="en-US" smtClean="0"/>
-              <a:t>2024. 4. 12.</a:t>
+              <a:t>2024. 4. 30.</a:t>
             </a:fld>
             <a:endParaRPr kumimoji="1" lang="ko-KR" altLang="en-US"/>
           </a:p>
@@ -5424,7 +7976,7 @@
           <a:p>
             <a:fld id="{A07A3FB5-B8F8-E14F-8476-011688EB8B1C}" type="datetimeFigureOut">
               <a:rPr kumimoji="1" lang="ko-KR" altLang="en-US" smtClean="0"/>
-              <a:t>2024. 4. 12.</a:t>
+              <a:t>2024. 4. 30.</a:t>
             </a:fld>
             <a:endParaRPr kumimoji="1" lang="ko-KR" altLang="en-US"/>
           </a:p>
@@ -5665,7 +8217,7 @@
           <a:p>
             <a:fld id="{A07A3FB5-B8F8-E14F-8476-011688EB8B1C}" type="datetimeFigureOut">
               <a:rPr kumimoji="1" lang="ko-KR" altLang="en-US" smtClean="0"/>
-              <a:t>2024. 4. 12.</a:t>
+              <a:t>2024. 4. 30.</a:t>
             </a:fld>
             <a:endParaRPr kumimoji="1" lang="ko-KR" altLang="en-US"/>
           </a:p>
@@ -6444,7 +8996,7 @@
                 <a:cs typeface="NanumGothic"/>
                 <a:sym typeface="Nanum Gothic"/>
               </a:rPr>
-              <a:t>Webflux</a:t>
+              <a:t>WebFlux</a:t>
             </a:r>
             <a:r>
               <a:rPr lang="ko-KR" altLang="en-US" sz="2000" dirty="0">
@@ -14768,11 +17320,11 @@
               <a:t>- </a:t>
             </a:r>
             <a:r>
-              <a:rPr lang="en" altLang="ko-KR" sz="1500" dirty="0" err="1">
+              <a:rPr lang="en" altLang="ko-KR" sz="1500" dirty="0">
                 <a:latin typeface="S-Core Dream 3 Light" panose="020B0503030302020204" pitchFamily="34" charset="-127"/>
                 <a:ea typeface="S-Core Dream 3 Light" panose="020B0503030302020204" pitchFamily="34" charset="-127"/>
               </a:rPr>
-              <a:t>Dabase</a:t>
+              <a:t>Database</a:t>
             </a:r>
             <a:r>
               <a:rPr lang="ko-KR" altLang="en-US" sz="1500" dirty="0">
